--- a/关卡2-李硕.pptx
+++ b/关卡2-李硕.pptx
@@ -201,7 +201,7 @@
           <a:p>
             <a:fld id="{D2A48B96-639E-45A3-A0BA-2464DFDB1FAA}" type="datetimeFigureOut">
               <a:rPr lang="zh-CN" altLang="en-US" smtClean="0"/>
-              <a:t>2017/8/20</a:t>
+              <a:t>2017/9/3</a:t>
             </a:fld>
             <a:endParaRPr lang="zh-CN" altLang="en-US"/>
           </a:p>
@@ -600,7 +600,7 @@
           <a:p>
             <a:fld id="{D997B5FA-0921-464F-AAE1-844C04324D75}" type="datetimeFigureOut">
               <a:rPr lang="zh-CN" altLang="en-US" smtClean="0"/>
-              <a:t>2017/8/20</a:t>
+              <a:t>2017/9/3</a:t>
             </a:fld>
             <a:endParaRPr lang="zh-CN" altLang="en-US"/>
           </a:p>
@@ -769,7 +769,7 @@
           <a:p>
             <a:fld id="{D997B5FA-0921-464F-AAE1-844C04324D75}" type="datetimeFigureOut">
               <a:rPr lang="zh-CN" altLang="en-US" smtClean="0"/>
-              <a:t>2017/8/20</a:t>
+              <a:t>2017/9/3</a:t>
             </a:fld>
             <a:endParaRPr lang="zh-CN" altLang="en-US"/>
           </a:p>
@@ -948,7 +948,7 @@
           <a:p>
             <a:fld id="{D997B5FA-0921-464F-AAE1-844C04324D75}" type="datetimeFigureOut">
               <a:rPr lang="zh-CN" altLang="en-US" smtClean="0"/>
-              <a:t>2017/8/20</a:t>
+              <a:t>2017/9/3</a:t>
             </a:fld>
             <a:endParaRPr lang="zh-CN" altLang="en-US"/>
           </a:p>
@@ -1117,7 +1117,7 @@
           <a:p>
             <a:fld id="{D997B5FA-0921-464F-AAE1-844C04324D75}" type="datetimeFigureOut">
               <a:rPr lang="zh-CN" altLang="en-US" smtClean="0"/>
-              <a:t>2017/8/20</a:t>
+              <a:t>2017/9/3</a:t>
             </a:fld>
             <a:endParaRPr lang="zh-CN" altLang="en-US"/>
           </a:p>
@@ -1362,7 +1362,7 @@
           <a:p>
             <a:fld id="{D997B5FA-0921-464F-AAE1-844C04324D75}" type="datetimeFigureOut">
               <a:rPr lang="zh-CN" altLang="en-US" smtClean="0"/>
-              <a:t>2017/8/20</a:t>
+              <a:t>2017/9/3</a:t>
             </a:fld>
             <a:endParaRPr lang="zh-CN" altLang="en-US"/>
           </a:p>
@@ -1593,7 +1593,7 @@
           <a:p>
             <a:fld id="{D997B5FA-0921-464F-AAE1-844C04324D75}" type="datetimeFigureOut">
               <a:rPr lang="zh-CN" altLang="en-US" smtClean="0"/>
-              <a:t>2017/8/20</a:t>
+              <a:t>2017/9/3</a:t>
             </a:fld>
             <a:endParaRPr lang="zh-CN" altLang="en-US"/>
           </a:p>
@@ -1959,7 +1959,7 @@
           <a:p>
             <a:fld id="{D997B5FA-0921-464F-AAE1-844C04324D75}" type="datetimeFigureOut">
               <a:rPr lang="zh-CN" altLang="en-US" smtClean="0"/>
-              <a:t>2017/8/20</a:t>
+              <a:t>2017/9/3</a:t>
             </a:fld>
             <a:endParaRPr lang="zh-CN" altLang="en-US"/>
           </a:p>
@@ -2076,7 +2076,7 @@
           <a:p>
             <a:fld id="{D997B5FA-0921-464F-AAE1-844C04324D75}" type="datetimeFigureOut">
               <a:rPr lang="zh-CN" altLang="en-US" smtClean="0"/>
-              <a:t>2017/8/20</a:t>
+              <a:t>2017/9/3</a:t>
             </a:fld>
             <a:endParaRPr lang="zh-CN" altLang="en-US"/>
           </a:p>
@@ -2170,7 +2170,7 @@
           <a:p>
             <a:fld id="{D997B5FA-0921-464F-AAE1-844C04324D75}" type="datetimeFigureOut">
               <a:rPr lang="zh-CN" altLang="en-US" smtClean="0"/>
-              <a:t>2017/8/20</a:t>
+              <a:t>2017/9/3</a:t>
             </a:fld>
             <a:endParaRPr lang="zh-CN" altLang="en-US"/>
           </a:p>
@@ -2446,7 +2446,7 @@
           <a:p>
             <a:fld id="{D997B5FA-0921-464F-AAE1-844C04324D75}" type="datetimeFigureOut">
               <a:rPr lang="zh-CN" altLang="en-US" smtClean="0"/>
-              <a:t>2017/8/20</a:t>
+              <a:t>2017/9/3</a:t>
             </a:fld>
             <a:endParaRPr lang="zh-CN" altLang="en-US"/>
           </a:p>
@@ -2698,7 +2698,7 @@
           <a:p>
             <a:fld id="{D997B5FA-0921-464F-AAE1-844C04324D75}" type="datetimeFigureOut">
               <a:rPr lang="zh-CN" altLang="en-US" smtClean="0"/>
-              <a:t>2017/8/20</a:t>
+              <a:t>2017/9/3</a:t>
             </a:fld>
             <a:endParaRPr lang="zh-CN" altLang="en-US"/>
           </a:p>
@@ -2910,7 +2910,7 @@
           <a:p>
             <a:fld id="{D997B5FA-0921-464F-AAE1-844C04324D75}" type="datetimeFigureOut">
               <a:rPr lang="zh-CN" altLang="en-US" smtClean="0"/>
-              <a:t>2017/8/20</a:t>
+              <a:t>2017/9/3</a:t>
             </a:fld>
             <a:endParaRPr lang="zh-CN" altLang="en-US"/>
           </a:p>
@@ -3551,8 +3551,8 @@
         </p:nvSpPr>
         <p:spPr>
           <a:xfrm>
-            <a:off x="570230" y="1427630"/>
-            <a:ext cx="1578610" cy="368300"/>
+            <a:off x="570229" y="1427630"/>
+            <a:ext cx="4232507" cy="369332"/>
           </a:xfrm>
           <a:prstGeom prst="rect">
             <a:avLst/>
@@ -3579,7 +3579,7 @@
             </a:r>
             <a:r>
               <a:rPr lang="zh-CN" altLang="en-US" dirty="0" smtClean="0"/>
-              <a:t>哥</a:t>
+              <a:t>哥，职业：家电维修老板</a:t>
             </a:r>
             <a:endParaRPr lang="zh-CN" altLang="en-US" dirty="0"/>
           </a:p>
@@ -5059,19 +5059,11 @@
           <a:p>
             <a:r>
               <a:rPr lang="en-US" altLang="zh-CN" dirty="0" smtClean="0"/>
-              <a:t>NPC4</a:t>
+              <a:t>NPC2</a:t>
             </a:r>
             <a:r>
               <a:rPr lang="zh-CN" altLang="en-US" dirty="0" smtClean="0"/>
-              <a:t>：商店购</a:t>
-            </a:r>
-            <a:r>
-              <a:rPr lang="zh-CN" altLang="en-US" dirty="0"/>
-              <a:t>买</a:t>
-            </a:r>
-            <a:r>
-              <a:rPr lang="zh-CN" altLang="en-US" dirty="0" smtClean="0"/>
-              <a:t>短裙</a:t>
+              <a:t>：换取超短裙</a:t>
             </a:r>
             <a:endParaRPr lang="zh-CN" altLang="en-US" dirty="0"/>
           </a:p>
@@ -5099,45 +5091,21 @@
           </a:bodyPr>
           <a:lstStyle/>
           <a:p>
+            <a:r>
+              <a:rPr lang="en-US" altLang="zh-CN" dirty="0" smtClean="0">
+                <a:solidFill>
+                  <a:schemeClr val="accent2"/>
+                </a:solidFill>
+              </a:rPr>
+              <a:t>NPC4</a:t>
+            </a:r>
             <a:r>
               <a:rPr lang="zh-CN" altLang="en-US" dirty="0" smtClean="0">
                 <a:solidFill>
                   <a:schemeClr val="accent2"/>
                 </a:solidFill>
               </a:rPr>
-              <a:t>地点</a:t>
-            </a:r>
-            <a:r>
-              <a:rPr lang="en-US" altLang="zh-CN" dirty="0" smtClean="0">
-                <a:solidFill>
-                  <a:schemeClr val="accent2"/>
-                </a:solidFill>
-              </a:rPr>
-              <a:t>1</a:t>
-            </a:r>
-            <a:r>
-              <a:rPr lang="zh-CN" altLang="en-US" dirty="0" smtClean="0">
-                <a:solidFill>
-                  <a:schemeClr val="accent2"/>
-                </a:solidFill>
-              </a:rPr>
-              <a:t>：</a:t>
-            </a:r>
-            <a:r>
-              <a:rPr lang="en-US" altLang="zh-CN" dirty="0" smtClean="0">
-                <a:solidFill>
-                  <a:schemeClr val="accent2"/>
-                </a:solidFill>
-              </a:rPr>
-              <a:t>b</a:t>
-            </a:r>
-            <a:r>
-              <a:rPr lang="zh-CN" altLang="en-US" dirty="0" smtClean="0">
-                <a:solidFill>
-                  <a:schemeClr val="accent2"/>
-                </a:solidFill>
-              </a:rPr>
-              <a:t>哥家的箱子里找到假发</a:t>
+              <a:t>：商店老板，购买假发</a:t>
             </a:r>
             <a:endParaRPr lang="zh-CN" altLang="en-US" dirty="0">
               <a:solidFill>
@@ -5612,7 +5580,11 @@
             <a:graphicFrameLocks noGrp="1"/>
           </p:cNvGraphicFramePr>
           <p:nvPr>
-            <p:extLst/>
+            <p:extLst>
+              <p:ext uri="{D42A27DB-BD31-4B8C-83A1-F6EECF244321}">
+                <p14:modId xmlns:p14="http://schemas.microsoft.com/office/powerpoint/2010/main" val="1473174637"/>
+              </p:ext>
+            </p:extLst>
           </p:nvPr>
         </p:nvGraphicFramePr>
         <p:xfrm>
@@ -5740,7 +5712,15 @@
                       <a:pPr algn="ctr"/>
                       <a:r>
                         <a:rPr lang="zh-CN" altLang="en-US" dirty="0" smtClean="0"/>
-                        <a:t>女主播</a:t>
+                        <a:t>女主播（</a:t>
+                      </a:r>
+                      <a:r>
+                        <a:rPr lang="en-US" altLang="zh-CN" dirty="0" smtClean="0"/>
+                        <a:t>NPC5</a:t>
+                      </a:r>
+                      <a:r>
+                        <a:rPr lang="zh-CN" altLang="en-US" dirty="0" smtClean="0"/>
+                        <a:t>）</a:t>
                       </a:r>
                       <a:endParaRPr lang="zh-CN" altLang="en-US" dirty="0"/>
                     </a:p>
@@ -6152,52 +6132,6 @@
       </p:sp>
       <p:sp>
         <p:nvSpPr>
-          <p:cNvPr id="4" name="文本框 3"/>
-          <p:cNvSpPr txBox="1"/>
-          <p:nvPr/>
-        </p:nvSpPr>
-        <p:spPr>
-          <a:xfrm>
-            <a:off x="570230" y="427990"/>
-            <a:ext cx="4298315" cy="701040"/>
-          </a:xfrm>
-          <a:prstGeom prst="rect">
-            <a:avLst/>
-          </a:prstGeom>
-          <a:noFill/>
-        </p:spPr>
-        <p:txBody>
-          <a:bodyPr wrap="square" rtlCol="0">
-            <a:spAutoFit/>
-          </a:bodyPr>
-          <a:lstStyle/>
-          <a:p>
-            <a:r>
-              <a:rPr lang="zh-CN" altLang="en-US" sz="4000" dirty="0">
-                <a:solidFill>
-                  <a:schemeClr val="bg1"/>
-                </a:solidFill>
-              </a:rPr>
-              <a:t>关</a:t>
-            </a:r>
-            <a:r>
-              <a:rPr lang="zh-CN" altLang="en-US" sz="4000" dirty="0" smtClean="0">
-                <a:solidFill>
-                  <a:schemeClr val="bg1"/>
-                </a:solidFill>
-              </a:rPr>
-              <a:t>联事件</a:t>
-            </a:r>
-            <a:endParaRPr lang="zh-CN" altLang="zh-CN" sz="4000" dirty="0">
-              <a:solidFill>
-                <a:schemeClr val="bg1"/>
-              </a:solidFill>
-            </a:endParaRPr>
-          </a:p>
-        </p:txBody>
-      </p:sp>
-      <p:sp>
-        <p:nvSpPr>
           <p:cNvPr id="9" name="页脚占位符 8"/>
           <p:cNvSpPr>
             <a:spLocks noGrp="1"/>
@@ -6225,14 +6159,14 @@
       </p:sp>
       <p:sp>
         <p:nvSpPr>
-          <p:cNvPr id="2" name="TextBox 1"/>
+          <p:cNvPr id="7" name="文本框 3"/>
           <p:cNvSpPr txBox="1"/>
           <p:nvPr/>
         </p:nvSpPr>
         <p:spPr>
           <a:xfrm>
-            <a:off x="629831" y="1580972"/>
-            <a:ext cx="4238714" cy="369332"/>
+            <a:off x="722630" y="433070"/>
+            <a:ext cx="4298315" cy="701040"/>
           </a:xfrm>
           <a:prstGeom prst="rect">
             <a:avLst/>
@@ -6246,14 +6180,1522 @@
           <a:lstStyle/>
           <a:p>
             <a:r>
-              <a:rPr lang="zh-CN" altLang="en-US" dirty="0"/>
-              <a:t>获</a:t>
-            </a:r>
-            <a:r>
-              <a:rPr lang="zh-CN" altLang="en-US" dirty="0" smtClean="0"/>
-              <a:t>得胸罩：完成偷袭女主播任务</a:t>
-            </a:r>
-            <a:endParaRPr lang="zh-CN" altLang="en-US" dirty="0"/>
+              <a:rPr lang="zh-CN" altLang="en-US" sz="4000" dirty="0" smtClean="0">
+                <a:solidFill>
+                  <a:schemeClr val="bg1"/>
+                </a:solidFill>
+              </a:rPr>
+              <a:t>关卡详细流程</a:t>
+            </a:r>
+            <a:endParaRPr lang="zh-CN" altLang="zh-CN" sz="4000" dirty="0">
+              <a:solidFill>
+                <a:schemeClr val="bg1"/>
+              </a:solidFill>
+            </a:endParaRPr>
+          </a:p>
+        </p:txBody>
+      </p:sp>
+      <p:sp>
+        <p:nvSpPr>
+          <p:cNvPr id="8" name="Rounded Rectangle 7"/>
+          <p:cNvSpPr/>
+          <p:nvPr/>
+        </p:nvSpPr>
+        <p:spPr>
+          <a:xfrm>
+            <a:off x="213644" y="2939754"/>
+            <a:ext cx="1187866" cy="495655"/>
+          </a:xfrm>
+          <a:prstGeom prst="roundRect">
+            <a:avLst/>
+          </a:prstGeom>
+        </p:spPr>
+        <p:style>
+          <a:lnRef idx="2">
+            <a:schemeClr val="accent1">
+              <a:shade val="50000"/>
+            </a:schemeClr>
+          </a:lnRef>
+          <a:fillRef idx="1">
+            <a:schemeClr val="accent1"/>
+          </a:fillRef>
+          <a:effectRef idx="0">
+            <a:schemeClr val="accent1"/>
+          </a:effectRef>
+          <a:fontRef idx="minor">
+            <a:schemeClr val="lt1"/>
+          </a:fontRef>
+        </p:style>
+        <p:txBody>
+          <a:bodyPr rtlCol="0" anchor="ctr"/>
+          <a:lstStyle/>
+          <a:p>
+            <a:pPr algn="ctr"/>
+            <a:r>
+              <a:rPr lang="zh-CN" altLang="en-US" sz="1600" dirty="0" smtClean="0"/>
+              <a:t>玩家出门</a:t>
+            </a:r>
+            <a:endParaRPr lang="zh-CN" altLang="en-US" sz="1600" dirty="0"/>
+          </a:p>
+        </p:txBody>
+      </p:sp>
+      <p:sp>
+        <p:nvSpPr>
+          <p:cNvPr id="10" name="Rounded Rectangle 9"/>
+          <p:cNvSpPr/>
+          <p:nvPr/>
+        </p:nvSpPr>
+        <p:spPr>
+          <a:xfrm>
+            <a:off x="1811708" y="2939754"/>
+            <a:ext cx="1187866" cy="495655"/>
+          </a:xfrm>
+          <a:prstGeom prst="roundRect">
+            <a:avLst/>
+          </a:prstGeom>
+        </p:spPr>
+        <p:style>
+          <a:lnRef idx="2">
+            <a:schemeClr val="accent1">
+              <a:shade val="50000"/>
+            </a:schemeClr>
+          </a:lnRef>
+          <a:fillRef idx="1">
+            <a:schemeClr val="accent1"/>
+          </a:fillRef>
+          <a:effectRef idx="0">
+            <a:schemeClr val="accent1"/>
+          </a:effectRef>
+          <a:fontRef idx="minor">
+            <a:schemeClr val="lt1"/>
+          </a:fontRef>
+        </p:style>
+        <p:txBody>
+          <a:bodyPr rtlCol="0" anchor="ctr"/>
+          <a:lstStyle/>
+          <a:p>
+            <a:pPr algn="ctr"/>
+            <a:r>
+              <a:rPr lang="zh-CN" altLang="en-US" sz="1600" dirty="0"/>
+              <a:t>找</a:t>
+            </a:r>
+            <a:r>
+              <a:rPr lang="zh-CN" altLang="en-US" sz="1600" dirty="0" smtClean="0"/>
+              <a:t>到</a:t>
+            </a:r>
+            <a:r>
+              <a:rPr lang="en-US" altLang="zh-CN" sz="1600" dirty="0" smtClean="0">
+                <a:solidFill>
+                  <a:schemeClr val="tx1"/>
+                </a:solidFill>
+              </a:rPr>
+              <a:t>b</a:t>
+            </a:r>
+            <a:r>
+              <a:rPr lang="zh-CN" altLang="en-US" sz="1600" dirty="0" smtClean="0">
+                <a:solidFill>
+                  <a:schemeClr val="tx1"/>
+                </a:solidFill>
+              </a:rPr>
+              <a:t>哥</a:t>
+            </a:r>
+            <a:endParaRPr lang="zh-CN" altLang="en-US" sz="1600" dirty="0">
+              <a:solidFill>
+                <a:schemeClr val="tx1"/>
+              </a:solidFill>
+            </a:endParaRPr>
+          </a:p>
+        </p:txBody>
+      </p:sp>
+      <p:cxnSp>
+        <p:nvCxnSpPr>
+          <p:cNvPr id="5" name="Straight Arrow Connector 4"/>
+          <p:cNvCxnSpPr>
+            <a:stCxn id="8" idx="3"/>
+            <a:endCxn id="10" idx="1"/>
+          </p:cNvCxnSpPr>
+          <p:nvPr/>
+        </p:nvCxnSpPr>
+        <p:spPr>
+          <a:xfrm>
+            <a:off x="1401510" y="3187582"/>
+            <a:ext cx="410198" cy="0"/>
+          </a:xfrm>
+          <a:prstGeom prst="straightConnector1">
+            <a:avLst/>
+          </a:prstGeom>
+          <a:ln>
+            <a:tailEnd type="triangle"/>
+          </a:ln>
+        </p:spPr>
+        <p:style>
+          <a:lnRef idx="1">
+            <a:schemeClr val="accent1"/>
+          </a:lnRef>
+          <a:fillRef idx="0">
+            <a:schemeClr val="accent1"/>
+          </a:fillRef>
+          <a:effectRef idx="0">
+            <a:schemeClr val="accent1"/>
+          </a:effectRef>
+          <a:fontRef idx="minor">
+            <a:schemeClr val="tx1"/>
+          </a:fontRef>
+        </p:style>
+      </p:cxnSp>
+      <p:cxnSp>
+        <p:nvCxnSpPr>
+          <p:cNvPr id="11" name="Straight Arrow Connector 10"/>
+          <p:cNvCxnSpPr/>
+          <p:nvPr/>
+        </p:nvCxnSpPr>
+        <p:spPr>
+          <a:xfrm>
+            <a:off x="2999574" y="3187582"/>
+            <a:ext cx="410198" cy="0"/>
+          </a:xfrm>
+          <a:prstGeom prst="straightConnector1">
+            <a:avLst/>
+          </a:prstGeom>
+          <a:ln>
+            <a:tailEnd type="triangle"/>
+          </a:ln>
+        </p:spPr>
+        <p:style>
+          <a:lnRef idx="1">
+            <a:schemeClr val="accent1"/>
+          </a:lnRef>
+          <a:fillRef idx="0">
+            <a:schemeClr val="accent1"/>
+          </a:fillRef>
+          <a:effectRef idx="0">
+            <a:schemeClr val="accent1"/>
+          </a:effectRef>
+          <a:fontRef idx="minor">
+            <a:schemeClr val="tx1"/>
+          </a:fontRef>
+        </p:style>
+      </p:cxnSp>
+      <p:sp>
+        <p:nvSpPr>
+          <p:cNvPr id="13" name="Rounded Rectangle 12"/>
+          <p:cNvSpPr/>
+          <p:nvPr/>
+        </p:nvSpPr>
+        <p:spPr>
+          <a:xfrm>
+            <a:off x="3409772" y="2939754"/>
+            <a:ext cx="1187866" cy="495655"/>
+          </a:xfrm>
+          <a:prstGeom prst="roundRect">
+            <a:avLst/>
+          </a:prstGeom>
+        </p:spPr>
+        <p:style>
+          <a:lnRef idx="2">
+            <a:schemeClr val="accent1">
+              <a:shade val="50000"/>
+            </a:schemeClr>
+          </a:lnRef>
+          <a:fillRef idx="1">
+            <a:schemeClr val="accent1"/>
+          </a:fillRef>
+          <a:effectRef idx="0">
+            <a:schemeClr val="accent1"/>
+          </a:effectRef>
+          <a:fontRef idx="minor">
+            <a:schemeClr val="lt1"/>
+          </a:fontRef>
+        </p:style>
+        <p:txBody>
+          <a:bodyPr rtlCol="0" anchor="ctr"/>
+          <a:lstStyle/>
+          <a:p>
+            <a:pPr algn="ctr"/>
+            <a:r>
+              <a:rPr lang="zh-CN" altLang="en-US" sz="1600" dirty="0"/>
+              <a:t>找</a:t>
+            </a:r>
+            <a:r>
+              <a:rPr lang="zh-CN" altLang="en-US" sz="1600" dirty="0" smtClean="0"/>
+              <a:t>到</a:t>
+            </a:r>
+            <a:r>
+              <a:rPr lang="zh-CN" altLang="en-US" sz="1600" dirty="0" smtClean="0">
+                <a:solidFill>
+                  <a:schemeClr val="tx1"/>
+                </a:solidFill>
+              </a:rPr>
+              <a:t>薇儿</a:t>
+            </a:r>
+            <a:endParaRPr lang="zh-CN" altLang="en-US" sz="1600" dirty="0">
+              <a:solidFill>
+                <a:schemeClr val="tx1"/>
+              </a:solidFill>
+            </a:endParaRPr>
+          </a:p>
+        </p:txBody>
+      </p:sp>
+      <p:sp>
+        <p:nvSpPr>
+          <p:cNvPr id="16" name="Rectangle 15"/>
+          <p:cNvSpPr/>
+          <p:nvPr/>
+        </p:nvSpPr>
+        <p:spPr>
+          <a:xfrm>
+            <a:off x="1811708" y="1982625"/>
+            <a:ext cx="1273324" cy="948583"/>
+          </a:xfrm>
+          <a:prstGeom prst="rect">
+            <a:avLst/>
+          </a:prstGeom>
+        </p:spPr>
+        <p:style>
+          <a:lnRef idx="0">
+            <a:schemeClr val="accent6"/>
+          </a:lnRef>
+          <a:fillRef idx="3">
+            <a:schemeClr val="accent6"/>
+          </a:fillRef>
+          <a:effectRef idx="3">
+            <a:schemeClr val="accent6"/>
+          </a:effectRef>
+          <a:fontRef idx="minor">
+            <a:schemeClr val="lt1"/>
+          </a:fontRef>
+        </p:style>
+        <p:txBody>
+          <a:bodyPr rtlCol="0" anchor="ctr"/>
+          <a:lstStyle/>
+          <a:p>
+            <a:pPr algn="ctr"/>
+            <a:r>
+              <a:rPr lang="en-US" altLang="zh-CN" sz="1400" dirty="0" smtClean="0"/>
+              <a:t>b</a:t>
+            </a:r>
+            <a:r>
+              <a:rPr lang="zh-CN" altLang="en-US" sz="1400" dirty="0" smtClean="0"/>
+              <a:t>哥有钱不还，钱全被用来打赏女主播（薇儿）</a:t>
+            </a:r>
+            <a:endParaRPr lang="zh-CN" altLang="en-US" sz="1400" dirty="0"/>
+          </a:p>
+        </p:txBody>
+      </p:sp>
+      <p:sp>
+        <p:nvSpPr>
+          <p:cNvPr id="18" name="Rectangle 17"/>
+          <p:cNvSpPr/>
+          <p:nvPr/>
+        </p:nvSpPr>
+        <p:spPr>
+          <a:xfrm>
+            <a:off x="3405498" y="2334607"/>
+            <a:ext cx="1273324" cy="605147"/>
+          </a:xfrm>
+          <a:prstGeom prst="rect">
+            <a:avLst/>
+          </a:prstGeom>
+        </p:spPr>
+        <p:style>
+          <a:lnRef idx="0">
+            <a:schemeClr val="accent6"/>
+          </a:lnRef>
+          <a:fillRef idx="3">
+            <a:schemeClr val="accent6"/>
+          </a:fillRef>
+          <a:effectRef idx="3">
+            <a:schemeClr val="accent6"/>
+          </a:effectRef>
+          <a:fontRef idx="minor">
+            <a:schemeClr val="lt1"/>
+          </a:fontRef>
+        </p:style>
+        <p:txBody>
+          <a:bodyPr rtlCol="0" anchor="ctr"/>
+          <a:lstStyle/>
+          <a:p>
+            <a:pPr algn="ctr"/>
+            <a:r>
+              <a:rPr lang="zh-CN" altLang="en-US" sz="1400" dirty="0" smtClean="0"/>
+              <a:t>找到三件套才能假扮女主播</a:t>
+            </a:r>
+            <a:endParaRPr lang="zh-CN" altLang="en-US" sz="1400" dirty="0"/>
+          </a:p>
+        </p:txBody>
+      </p:sp>
+      <p:cxnSp>
+        <p:nvCxnSpPr>
+          <p:cNvPr id="19" name="Straight Arrow Connector 18"/>
+          <p:cNvCxnSpPr/>
+          <p:nvPr/>
+        </p:nvCxnSpPr>
+        <p:spPr>
+          <a:xfrm flipV="1">
+            <a:off x="4563455" y="2162086"/>
+            <a:ext cx="1162227" cy="1025496"/>
+          </a:xfrm>
+          <a:prstGeom prst="straightConnector1">
+            <a:avLst/>
+          </a:prstGeom>
+          <a:ln>
+            <a:tailEnd type="triangle"/>
+          </a:ln>
+        </p:spPr>
+        <p:style>
+          <a:lnRef idx="1">
+            <a:schemeClr val="accent1"/>
+          </a:lnRef>
+          <a:fillRef idx="0">
+            <a:schemeClr val="accent1"/>
+          </a:fillRef>
+          <a:effectRef idx="0">
+            <a:schemeClr val="accent1"/>
+          </a:effectRef>
+          <a:fontRef idx="minor">
+            <a:schemeClr val="tx1"/>
+          </a:fontRef>
+        </p:style>
+      </p:cxnSp>
+      <p:cxnSp>
+        <p:nvCxnSpPr>
+          <p:cNvPr id="21" name="Straight Arrow Connector 20"/>
+          <p:cNvCxnSpPr/>
+          <p:nvPr/>
+        </p:nvCxnSpPr>
+        <p:spPr>
+          <a:xfrm>
+            <a:off x="4529272" y="3187582"/>
+            <a:ext cx="1196410" cy="0"/>
+          </a:xfrm>
+          <a:prstGeom prst="straightConnector1">
+            <a:avLst/>
+          </a:prstGeom>
+          <a:ln>
+            <a:tailEnd type="triangle"/>
+          </a:ln>
+        </p:spPr>
+        <p:style>
+          <a:lnRef idx="1">
+            <a:schemeClr val="accent1"/>
+          </a:lnRef>
+          <a:fillRef idx="0">
+            <a:schemeClr val="accent1"/>
+          </a:fillRef>
+          <a:effectRef idx="0">
+            <a:schemeClr val="accent1"/>
+          </a:effectRef>
+          <a:fontRef idx="minor">
+            <a:schemeClr val="tx1"/>
+          </a:fontRef>
+        </p:style>
+      </p:cxnSp>
+      <p:cxnSp>
+        <p:nvCxnSpPr>
+          <p:cNvPr id="24" name="Straight Arrow Connector 23"/>
+          <p:cNvCxnSpPr>
+            <a:stCxn id="13" idx="3"/>
+            <a:endCxn id="29" idx="1"/>
+          </p:cNvCxnSpPr>
+          <p:nvPr/>
+        </p:nvCxnSpPr>
+        <p:spPr>
+          <a:xfrm>
+            <a:off x="4597638" y="3187582"/>
+            <a:ext cx="1128044" cy="1025496"/>
+          </a:xfrm>
+          <a:prstGeom prst="straightConnector1">
+            <a:avLst/>
+          </a:prstGeom>
+          <a:ln>
+            <a:tailEnd type="triangle"/>
+          </a:ln>
+        </p:spPr>
+        <p:style>
+          <a:lnRef idx="1">
+            <a:schemeClr val="accent1"/>
+          </a:lnRef>
+          <a:fillRef idx="0">
+            <a:schemeClr val="accent1"/>
+          </a:fillRef>
+          <a:effectRef idx="0">
+            <a:schemeClr val="accent1"/>
+          </a:effectRef>
+          <a:fontRef idx="minor">
+            <a:schemeClr val="tx1"/>
+          </a:fontRef>
+        </p:style>
+      </p:cxnSp>
+      <p:sp>
+        <p:nvSpPr>
+          <p:cNvPr id="27" name="Rounded Rectangle 26"/>
+          <p:cNvSpPr/>
+          <p:nvPr/>
+        </p:nvSpPr>
+        <p:spPr>
+          <a:xfrm>
+            <a:off x="5725682" y="2939754"/>
+            <a:ext cx="1187866" cy="495655"/>
+          </a:xfrm>
+          <a:prstGeom prst="roundRect">
+            <a:avLst/>
+          </a:prstGeom>
+        </p:spPr>
+        <p:style>
+          <a:lnRef idx="2">
+            <a:schemeClr val="accent1">
+              <a:shade val="50000"/>
+            </a:schemeClr>
+          </a:lnRef>
+          <a:fillRef idx="1">
+            <a:schemeClr val="accent1"/>
+          </a:fillRef>
+          <a:effectRef idx="0">
+            <a:schemeClr val="accent1"/>
+          </a:effectRef>
+          <a:fontRef idx="minor">
+            <a:schemeClr val="lt1"/>
+          </a:fontRef>
+        </p:style>
+        <p:txBody>
+          <a:bodyPr rtlCol="0" anchor="ctr"/>
+          <a:lstStyle/>
+          <a:p>
+            <a:pPr algn="ctr"/>
+            <a:r>
+              <a:rPr lang="zh-CN" altLang="en-US" sz="1600" dirty="0"/>
+              <a:t>找</a:t>
+            </a:r>
+            <a:r>
+              <a:rPr lang="zh-CN" altLang="en-US" sz="1600" dirty="0" smtClean="0"/>
+              <a:t>到</a:t>
+            </a:r>
+            <a:r>
+              <a:rPr lang="zh-CN" altLang="en-US" sz="1600" dirty="0" smtClean="0">
+                <a:solidFill>
+                  <a:schemeClr val="tx1"/>
+                </a:solidFill>
+              </a:rPr>
+              <a:t>老余</a:t>
+            </a:r>
+            <a:endParaRPr lang="zh-CN" altLang="en-US" sz="1600" dirty="0">
+              <a:solidFill>
+                <a:schemeClr val="tx1"/>
+              </a:solidFill>
+            </a:endParaRPr>
+          </a:p>
+        </p:txBody>
+      </p:sp>
+      <p:sp>
+        <p:nvSpPr>
+          <p:cNvPr id="28" name="Rounded Rectangle 27"/>
+          <p:cNvSpPr/>
+          <p:nvPr/>
+        </p:nvSpPr>
+        <p:spPr>
+          <a:xfrm>
+            <a:off x="5725682" y="1838952"/>
+            <a:ext cx="1187866" cy="495655"/>
+          </a:xfrm>
+          <a:prstGeom prst="roundRect">
+            <a:avLst/>
+          </a:prstGeom>
+        </p:spPr>
+        <p:style>
+          <a:lnRef idx="2">
+            <a:schemeClr val="accent1">
+              <a:shade val="50000"/>
+            </a:schemeClr>
+          </a:lnRef>
+          <a:fillRef idx="1">
+            <a:schemeClr val="accent1"/>
+          </a:fillRef>
+          <a:effectRef idx="0">
+            <a:schemeClr val="accent1"/>
+          </a:effectRef>
+          <a:fontRef idx="minor">
+            <a:schemeClr val="lt1"/>
+          </a:fontRef>
+        </p:style>
+        <p:txBody>
+          <a:bodyPr rtlCol="0" anchor="ctr"/>
+          <a:lstStyle/>
+          <a:p>
+            <a:pPr algn="ctr"/>
+            <a:r>
+              <a:rPr lang="zh-CN" altLang="en-US" sz="1600" dirty="0"/>
+              <a:t>找</a:t>
+            </a:r>
+            <a:r>
+              <a:rPr lang="zh-CN" altLang="en-US" sz="1600" dirty="0" smtClean="0"/>
+              <a:t>到</a:t>
+            </a:r>
+            <a:r>
+              <a:rPr lang="zh-CN" altLang="en-US" sz="1600" dirty="0" smtClean="0">
+                <a:solidFill>
+                  <a:schemeClr val="tx1"/>
+                </a:solidFill>
+              </a:rPr>
+              <a:t>张辉</a:t>
+            </a:r>
+            <a:endParaRPr lang="zh-CN" altLang="en-US" sz="1600" dirty="0">
+              <a:solidFill>
+                <a:schemeClr val="tx1"/>
+              </a:solidFill>
+            </a:endParaRPr>
+          </a:p>
+        </p:txBody>
+      </p:sp>
+      <p:sp>
+        <p:nvSpPr>
+          <p:cNvPr id="29" name="Rounded Rectangle 28"/>
+          <p:cNvSpPr/>
+          <p:nvPr/>
+        </p:nvSpPr>
+        <p:spPr>
+          <a:xfrm>
+            <a:off x="5725682" y="3965250"/>
+            <a:ext cx="1187866" cy="495655"/>
+          </a:xfrm>
+          <a:prstGeom prst="roundRect">
+            <a:avLst/>
+          </a:prstGeom>
+        </p:spPr>
+        <p:style>
+          <a:lnRef idx="2">
+            <a:schemeClr val="accent1">
+              <a:shade val="50000"/>
+            </a:schemeClr>
+          </a:lnRef>
+          <a:fillRef idx="1">
+            <a:schemeClr val="accent1"/>
+          </a:fillRef>
+          <a:effectRef idx="0">
+            <a:schemeClr val="accent1"/>
+          </a:effectRef>
+          <a:fontRef idx="minor">
+            <a:schemeClr val="lt1"/>
+          </a:fontRef>
+        </p:style>
+        <p:txBody>
+          <a:bodyPr rtlCol="0" anchor="ctr"/>
+          <a:lstStyle/>
+          <a:p>
+            <a:pPr algn="ctr"/>
+            <a:r>
+              <a:rPr lang="zh-CN" altLang="en-US" sz="1600" dirty="0"/>
+              <a:t>找</a:t>
+            </a:r>
+            <a:r>
+              <a:rPr lang="zh-CN" altLang="en-US" sz="1600" dirty="0" smtClean="0"/>
+              <a:t>到</a:t>
+            </a:r>
+            <a:r>
+              <a:rPr lang="en-US" altLang="zh-CN" sz="1600" dirty="0" smtClean="0">
+                <a:solidFill>
+                  <a:schemeClr val="tx1"/>
+                </a:solidFill>
+              </a:rPr>
+              <a:t>NPC</a:t>
+            </a:r>
+            <a:r>
+              <a:rPr lang="en-US" altLang="zh-CN" sz="1600" dirty="0">
+                <a:solidFill>
+                  <a:schemeClr val="tx1"/>
+                </a:solidFill>
+              </a:rPr>
+              <a:t>4</a:t>
+            </a:r>
+            <a:endParaRPr lang="en-US" altLang="zh-CN" sz="1600" dirty="0" smtClean="0">
+              <a:solidFill>
+                <a:schemeClr val="tx1"/>
+              </a:solidFill>
+            </a:endParaRPr>
+          </a:p>
+        </p:txBody>
+      </p:sp>
+      <p:sp>
+        <p:nvSpPr>
+          <p:cNvPr id="31" name="Rectangle 30"/>
+          <p:cNvSpPr/>
+          <p:nvPr/>
+        </p:nvSpPr>
+        <p:spPr>
+          <a:xfrm>
+            <a:off x="5682953" y="1354509"/>
+            <a:ext cx="1273324" cy="581114"/>
+          </a:xfrm>
+          <a:prstGeom prst="rect">
+            <a:avLst/>
+          </a:prstGeom>
+        </p:spPr>
+        <p:style>
+          <a:lnRef idx="0">
+            <a:schemeClr val="accent6"/>
+          </a:lnRef>
+          <a:fillRef idx="3">
+            <a:schemeClr val="accent6"/>
+          </a:fillRef>
+          <a:effectRef idx="3">
+            <a:schemeClr val="accent6"/>
+          </a:effectRef>
+          <a:fontRef idx="minor">
+            <a:schemeClr val="lt1"/>
+          </a:fontRef>
+        </p:style>
+        <p:txBody>
+          <a:bodyPr rtlCol="0" anchor="ctr"/>
+          <a:lstStyle/>
+          <a:p>
+            <a:pPr algn="ctr"/>
+            <a:r>
+              <a:rPr lang="zh-CN" altLang="en-US" sz="1400" dirty="0" smtClean="0"/>
+              <a:t>完成任务，获得 胸罩</a:t>
+            </a:r>
+            <a:endParaRPr lang="zh-CN" altLang="en-US" sz="1400" dirty="0"/>
+          </a:p>
+        </p:txBody>
+      </p:sp>
+      <p:sp>
+        <p:nvSpPr>
+          <p:cNvPr id="32" name="Rectangle 31"/>
+          <p:cNvSpPr/>
+          <p:nvPr/>
+        </p:nvSpPr>
+        <p:spPr>
+          <a:xfrm>
+            <a:off x="5682953" y="2431280"/>
+            <a:ext cx="1273324" cy="581114"/>
+          </a:xfrm>
+          <a:prstGeom prst="rect">
+            <a:avLst/>
+          </a:prstGeom>
+        </p:spPr>
+        <p:style>
+          <a:lnRef idx="0">
+            <a:schemeClr val="accent6"/>
+          </a:lnRef>
+          <a:fillRef idx="3">
+            <a:schemeClr val="accent6"/>
+          </a:fillRef>
+          <a:effectRef idx="3">
+            <a:schemeClr val="accent6"/>
+          </a:effectRef>
+          <a:fontRef idx="minor">
+            <a:schemeClr val="lt1"/>
+          </a:fontRef>
+        </p:style>
+        <p:txBody>
+          <a:bodyPr rtlCol="0" anchor="ctr"/>
+          <a:lstStyle/>
+          <a:p>
+            <a:pPr algn="ctr"/>
+            <a:r>
+              <a:rPr lang="zh-CN" altLang="en-US" sz="1400" dirty="0" smtClean="0"/>
+              <a:t>完成任务，获得 超短裙</a:t>
+            </a:r>
+            <a:endParaRPr lang="zh-CN" altLang="en-US" sz="1400" dirty="0"/>
+          </a:p>
+        </p:txBody>
+      </p:sp>
+      <p:sp>
+        <p:nvSpPr>
+          <p:cNvPr id="33" name="Rectangle 32"/>
+          <p:cNvSpPr/>
+          <p:nvPr/>
+        </p:nvSpPr>
+        <p:spPr>
+          <a:xfrm>
+            <a:off x="5682953" y="3512324"/>
+            <a:ext cx="1273324" cy="581114"/>
+          </a:xfrm>
+          <a:prstGeom prst="rect">
+            <a:avLst/>
+          </a:prstGeom>
+        </p:spPr>
+        <p:style>
+          <a:lnRef idx="0">
+            <a:schemeClr val="accent6"/>
+          </a:lnRef>
+          <a:fillRef idx="3">
+            <a:schemeClr val="accent6"/>
+          </a:fillRef>
+          <a:effectRef idx="3">
+            <a:schemeClr val="accent6"/>
+          </a:effectRef>
+          <a:fontRef idx="minor">
+            <a:schemeClr val="lt1"/>
+          </a:fontRef>
+        </p:style>
+        <p:txBody>
+          <a:bodyPr rtlCol="0" anchor="ctr"/>
+          <a:lstStyle/>
+          <a:p>
+            <a:pPr algn="ctr"/>
+            <a:r>
+              <a:rPr lang="zh-CN" altLang="en-US" sz="1400" dirty="0"/>
+              <a:t>商店</a:t>
+            </a:r>
+            <a:r>
+              <a:rPr lang="zh-CN" altLang="en-US" sz="1400" dirty="0" smtClean="0"/>
+              <a:t>，购买假发</a:t>
+            </a:r>
+            <a:endParaRPr lang="zh-CN" altLang="en-US" sz="1400" dirty="0"/>
+          </a:p>
+        </p:txBody>
+      </p:sp>
+      <p:sp>
+        <p:nvSpPr>
+          <p:cNvPr id="34" name="Right Brace 33"/>
+          <p:cNvSpPr/>
+          <p:nvPr/>
+        </p:nvSpPr>
+        <p:spPr>
+          <a:xfrm>
+            <a:off x="7195558" y="1427148"/>
+            <a:ext cx="247828" cy="3033757"/>
+          </a:xfrm>
+          <a:prstGeom prst="rightBrace">
+            <a:avLst/>
+          </a:prstGeom>
+        </p:spPr>
+        <p:style>
+          <a:lnRef idx="1">
+            <a:schemeClr val="accent1"/>
+          </a:lnRef>
+          <a:fillRef idx="0">
+            <a:schemeClr val="accent1"/>
+          </a:fillRef>
+          <a:effectRef idx="0">
+            <a:schemeClr val="accent1"/>
+          </a:effectRef>
+          <a:fontRef idx="minor">
+            <a:schemeClr val="tx1"/>
+          </a:fontRef>
+        </p:style>
+        <p:txBody>
+          <a:bodyPr rtlCol="0" anchor="ctr"/>
+          <a:lstStyle/>
+          <a:p>
+            <a:pPr algn="ctr"/>
+            <a:endParaRPr lang="zh-CN" altLang="en-US"/>
+          </a:p>
+        </p:txBody>
+      </p:sp>
+      <p:sp>
+        <p:nvSpPr>
+          <p:cNvPr id="36" name="Rounded Rectangle 35"/>
+          <p:cNvSpPr/>
+          <p:nvPr/>
+        </p:nvSpPr>
+        <p:spPr>
+          <a:xfrm>
+            <a:off x="7490388" y="2713291"/>
+            <a:ext cx="1187866" cy="495655"/>
+          </a:xfrm>
+          <a:prstGeom prst="roundRect">
+            <a:avLst/>
+          </a:prstGeom>
+        </p:spPr>
+        <p:style>
+          <a:lnRef idx="2">
+            <a:schemeClr val="accent1">
+              <a:shade val="50000"/>
+            </a:schemeClr>
+          </a:lnRef>
+          <a:fillRef idx="1">
+            <a:schemeClr val="accent1"/>
+          </a:fillRef>
+          <a:effectRef idx="0">
+            <a:schemeClr val="accent1"/>
+          </a:effectRef>
+          <a:fontRef idx="minor">
+            <a:schemeClr val="lt1"/>
+          </a:fontRef>
+        </p:style>
+        <p:txBody>
+          <a:bodyPr rtlCol="0" anchor="ctr"/>
+          <a:lstStyle/>
+          <a:p>
+            <a:pPr algn="ctr"/>
+            <a:r>
+              <a:rPr lang="zh-CN" altLang="en-US" sz="1600" dirty="0"/>
+              <a:t>找</a:t>
+            </a:r>
+            <a:r>
+              <a:rPr lang="zh-CN" altLang="en-US" sz="1600" dirty="0" smtClean="0"/>
+              <a:t>到</a:t>
+            </a:r>
+            <a:r>
+              <a:rPr lang="zh-CN" altLang="en-US" sz="1600" dirty="0" smtClean="0">
+                <a:solidFill>
+                  <a:schemeClr val="tx1"/>
+                </a:solidFill>
+              </a:rPr>
+              <a:t>薇儿</a:t>
+            </a:r>
+            <a:endParaRPr lang="zh-CN" altLang="en-US" sz="1600" dirty="0">
+              <a:solidFill>
+                <a:schemeClr val="tx1"/>
+              </a:solidFill>
+            </a:endParaRPr>
+          </a:p>
+        </p:txBody>
+      </p:sp>
+      <p:sp>
+        <p:nvSpPr>
+          <p:cNvPr id="37" name="Rectangle 36"/>
+          <p:cNvSpPr/>
+          <p:nvPr/>
+        </p:nvSpPr>
+        <p:spPr>
+          <a:xfrm>
+            <a:off x="7490388" y="1935623"/>
+            <a:ext cx="1273324" cy="878613"/>
+          </a:xfrm>
+          <a:prstGeom prst="rect">
+            <a:avLst/>
+          </a:prstGeom>
+        </p:spPr>
+        <p:style>
+          <a:lnRef idx="0">
+            <a:schemeClr val="accent6"/>
+          </a:lnRef>
+          <a:fillRef idx="3">
+            <a:schemeClr val="accent6"/>
+          </a:fillRef>
+          <a:effectRef idx="3">
+            <a:schemeClr val="accent6"/>
+          </a:effectRef>
+          <a:fontRef idx="minor">
+            <a:schemeClr val="lt1"/>
+          </a:fontRef>
+        </p:style>
+        <p:txBody>
+          <a:bodyPr rtlCol="0" anchor="ctr"/>
+          <a:lstStyle/>
+          <a:p>
+            <a:pPr algn="ctr"/>
+            <a:r>
+              <a:rPr lang="zh-CN" altLang="en-US" sz="1400" dirty="0" smtClean="0"/>
+              <a:t>电脑只有</a:t>
+            </a:r>
+            <a:r>
+              <a:rPr lang="zh-CN" altLang="en-US" sz="1400" dirty="0"/>
+              <a:t>一</a:t>
+            </a:r>
+            <a:r>
+              <a:rPr lang="zh-CN" altLang="en-US" sz="1400" dirty="0" smtClean="0"/>
+              <a:t>台，薇儿不肯离开，得知刚才张辉气冲冲来过</a:t>
+            </a:r>
+            <a:endParaRPr lang="zh-CN" altLang="en-US" sz="1400" dirty="0"/>
+          </a:p>
+        </p:txBody>
+      </p:sp>
+      <p:cxnSp>
+        <p:nvCxnSpPr>
+          <p:cNvPr id="38" name="Straight Arrow Connector 37"/>
+          <p:cNvCxnSpPr/>
+          <p:nvPr/>
+        </p:nvCxnSpPr>
+        <p:spPr>
+          <a:xfrm>
+            <a:off x="8678254" y="2973938"/>
+            <a:ext cx="410198" cy="0"/>
+          </a:xfrm>
+          <a:prstGeom prst="straightConnector1">
+            <a:avLst/>
+          </a:prstGeom>
+          <a:ln>
+            <a:tailEnd type="triangle"/>
+          </a:ln>
+        </p:spPr>
+        <p:style>
+          <a:lnRef idx="1">
+            <a:schemeClr val="accent1"/>
+          </a:lnRef>
+          <a:fillRef idx="0">
+            <a:schemeClr val="accent1"/>
+          </a:fillRef>
+          <a:effectRef idx="0">
+            <a:schemeClr val="accent1"/>
+          </a:effectRef>
+          <a:fontRef idx="minor">
+            <a:schemeClr val="tx1"/>
+          </a:fontRef>
+        </p:style>
+      </p:cxnSp>
+      <p:sp>
+        <p:nvSpPr>
+          <p:cNvPr id="39" name="Rounded Rectangle 38"/>
+          <p:cNvSpPr/>
+          <p:nvPr/>
+        </p:nvSpPr>
+        <p:spPr>
+          <a:xfrm>
+            <a:off x="9088452" y="2713291"/>
+            <a:ext cx="1187866" cy="495655"/>
+          </a:xfrm>
+          <a:prstGeom prst="roundRect">
+            <a:avLst/>
+          </a:prstGeom>
+        </p:spPr>
+        <p:style>
+          <a:lnRef idx="2">
+            <a:schemeClr val="accent1">
+              <a:shade val="50000"/>
+            </a:schemeClr>
+          </a:lnRef>
+          <a:fillRef idx="1">
+            <a:schemeClr val="accent1"/>
+          </a:fillRef>
+          <a:effectRef idx="0">
+            <a:schemeClr val="accent1"/>
+          </a:effectRef>
+          <a:fontRef idx="minor">
+            <a:schemeClr val="lt1"/>
+          </a:fontRef>
+        </p:style>
+        <p:txBody>
+          <a:bodyPr rtlCol="0" anchor="ctr"/>
+          <a:lstStyle/>
+          <a:p>
+            <a:pPr algn="ctr"/>
+            <a:r>
+              <a:rPr lang="zh-CN" altLang="en-US" sz="1600" dirty="0"/>
+              <a:t>找</a:t>
+            </a:r>
+            <a:r>
+              <a:rPr lang="zh-CN" altLang="en-US" sz="1600" dirty="0" smtClean="0"/>
+              <a:t>到</a:t>
+            </a:r>
+            <a:r>
+              <a:rPr lang="zh-CN" altLang="en-US" sz="1600" dirty="0" smtClean="0">
+                <a:solidFill>
+                  <a:schemeClr val="tx1"/>
+                </a:solidFill>
+              </a:rPr>
+              <a:t>张辉</a:t>
+            </a:r>
+            <a:endParaRPr lang="zh-CN" altLang="en-US" sz="1600" dirty="0">
+              <a:solidFill>
+                <a:schemeClr val="tx1"/>
+              </a:solidFill>
+            </a:endParaRPr>
+          </a:p>
+        </p:txBody>
+      </p:sp>
+      <p:sp>
+        <p:nvSpPr>
+          <p:cNvPr id="40" name="Rectangle 39"/>
+          <p:cNvSpPr/>
+          <p:nvPr/>
+        </p:nvSpPr>
+        <p:spPr>
+          <a:xfrm>
+            <a:off x="9088452" y="1935623"/>
+            <a:ext cx="1273324" cy="878613"/>
+          </a:xfrm>
+          <a:prstGeom prst="rect">
+            <a:avLst/>
+          </a:prstGeom>
+        </p:spPr>
+        <p:style>
+          <a:lnRef idx="0">
+            <a:schemeClr val="accent6"/>
+          </a:lnRef>
+          <a:fillRef idx="3">
+            <a:schemeClr val="accent6"/>
+          </a:fillRef>
+          <a:effectRef idx="3">
+            <a:schemeClr val="accent6"/>
+          </a:effectRef>
+          <a:fontRef idx="minor">
+            <a:schemeClr val="lt1"/>
+          </a:fontRef>
+        </p:style>
+        <p:txBody>
+          <a:bodyPr rtlCol="0" anchor="ctr"/>
+          <a:lstStyle/>
+          <a:p>
+            <a:pPr algn="ctr"/>
+            <a:r>
+              <a:rPr lang="zh-CN" altLang="en-US" sz="1400" dirty="0" smtClean="0"/>
+              <a:t>替张辉打薇儿，完成任务张辉告诉你</a:t>
+            </a:r>
+            <a:r>
+              <a:rPr lang="zh-CN" altLang="en-US" sz="1400" dirty="0" smtClean="0">
+                <a:solidFill>
+                  <a:schemeClr val="tx1">
+                    <a:lumMod val="75000"/>
+                    <a:lumOff val="25000"/>
+                  </a:schemeClr>
+                </a:solidFill>
+              </a:rPr>
+              <a:t>一个秘密</a:t>
+            </a:r>
+            <a:endParaRPr lang="zh-CN" altLang="en-US" sz="1400" dirty="0">
+              <a:solidFill>
+                <a:schemeClr val="tx1">
+                  <a:lumMod val="75000"/>
+                  <a:lumOff val="25000"/>
+                </a:schemeClr>
+              </a:solidFill>
+            </a:endParaRPr>
+          </a:p>
+        </p:txBody>
+      </p:sp>
+      <p:cxnSp>
+        <p:nvCxnSpPr>
+          <p:cNvPr id="41" name="Straight Arrow Connector 40"/>
+          <p:cNvCxnSpPr/>
+          <p:nvPr/>
+        </p:nvCxnSpPr>
+        <p:spPr>
+          <a:xfrm>
+            <a:off x="10276318" y="2973938"/>
+            <a:ext cx="410198" cy="0"/>
+          </a:xfrm>
+          <a:prstGeom prst="straightConnector1">
+            <a:avLst/>
+          </a:prstGeom>
+          <a:ln>
+            <a:tailEnd type="triangle"/>
+          </a:ln>
+        </p:spPr>
+        <p:style>
+          <a:lnRef idx="1">
+            <a:schemeClr val="accent1"/>
+          </a:lnRef>
+          <a:fillRef idx="0">
+            <a:schemeClr val="accent1"/>
+          </a:fillRef>
+          <a:effectRef idx="0">
+            <a:schemeClr val="accent1"/>
+          </a:effectRef>
+          <a:fontRef idx="minor">
+            <a:schemeClr val="tx1"/>
+          </a:fontRef>
+        </p:style>
+      </p:cxnSp>
+      <p:sp>
+        <p:nvSpPr>
+          <p:cNvPr id="42" name="Rounded Rectangle 41"/>
+          <p:cNvSpPr/>
+          <p:nvPr/>
+        </p:nvSpPr>
+        <p:spPr>
+          <a:xfrm>
+            <a:off x="10695061" y="2713291"/>
+            <a:ext cx="1187866" cy="495655"/>
+          </a:xfrm>
+          <a:prstGeom prst="roundRect">
+            <a:avLst/>
+          </a:prstGeom>
+        </p:spPr>
+        <p:style>
+          <a:lnRef idx="2">
+            <a:schemeClr val="accent1">
+              <a:shade val="50000"/>
+            </a:schemeClr>
+          </a:lnRef>
+          <a:fillRef idx="1">
+            <a:schemeClr val="accent1"/>
+          </a:fillRef>
+          <a:effectRef idx="0">
+            <a:schemeClr val="accent1"/>
+          </a:effectRef>
+          <a:fontRef idx="minor">
+            <a:schemeClr val="lt1"/>
+          </a:fontRef>
+        </p:style>
+        <p:txBody>
+          <a:bodyPr rtlCol="0" anchor="ctr"/>
+          <a:lstStyle/>
+          <a:p>
+            <a:pPr algn="ctr"/>
+            <a:r>
+              <a:rPr lang="zh-CN" altLang="en-US" sz="1600" dirty="0"/>
+              <a:t>找</a:t>
+            </a:r>
+            <a:r>
+              <a:rPr lang="zh-CN" altLang="en-US" sz="1600" dirty="0" smtClean="0"/>
+              <a:t>到</a:t>
+            </a:r>
+            <a:r>
+              <a:rPr lang="zh-CN" altLang="en-US" sz="1600" dirty="0" smtClean="0">
+                <a:solidFill>
+                  <a:schemeClr val="tx1"/>
+                </a:solidFill>
+              </a:rPr>
+              <a:t>薇儿</a:t>
+            </a:r>
+            <a:endParaRPr lang="zh-CN" altLang="en-US" sz="1600" dirty="0">
+              <a:solidFill>
+                <a:schemeClr val="tx1"/>
+              </a:solidFill>
+            </a:endParaRPr>
+          </a:p>
+        </p:txBody>
+      </p:sp>
+      <p:sp>
+        <p:nvSpPr>
+          <p:cNvPr id="43" name="Rectangle 42"/>
+          <p:cNvSpPr/>
+          <p:nvPr/>
+        </p:nvSpPr>
+        <p:spPr>
+          <a:xfrm>
+            <a:off x="10695061" y="2162086"/>
+            <a:ext cx="1273324" cy="652150"/>
+          </a:xfrm>
+          <a:prstGeom prst="rect">
+            <a:avLst/>
+          </a:prstGeom>
+        </p:spPr>
+        <p:style>
+          <a:lnRef idx="0">
+            <a:schemeClr val="accent6"/>
+          </a:lnRef>
+          <a:fillRef idx="3">
+            <a:schemeClr val="accent6"/>
+          </a:fillRef>
+          <a:effectRef idx="3">
+            <a:schemeClr val="accent6"/>
+          </a:effectRef>
+          <a:fontRef idx="minor">
+            <a:schemeClr val="lt1"/>
+          </a:fontRef>
+        </p:style>
+        <p:txBody>
+          <a:bodyPr rtlCol="0" anchor="ctr"/>
+          <a:lstStyle/>
+          <a:p>
+            <a:pPr algn="ctr"/>
+            <a:r>
+              <a:rPr lang="zh-CN" altLang="en-US" sz="1400" dirty="0" smtClean="0"/>
+              <a:t>打晕薇儿，假扮主播，骗</a:t>
+            </a:r>
+            <a:r>
+              <a:rPr lang="en-US" altLang="zh-CN" sz="1400" dirty="0" smtClean="0"/>
+              <a:t>b</a:t>
+            </a:r>
+            <a:r>
+              <a:rPr lang="zh-CN" altLang="en-US" sz="1400" dirty="0" smtClean="0"/>
+              <a:t>哥钱</a:t>
+            </a:r>
+            <a:endParaRPr lang="zh-CN" altLang="en-US" sz="1400" dirty="0"/>
+          </a:p>
+        </p:txBody>
+      </p:sp>
+      <p:cxnSp>
+        <p:nvCxnSpPr>
+          <p:cNvPr id="45" name="Straight Arrow Connector 44"/>
+          <p:cNvCxnSpPr>
+            <a:stCxn id="42" idx="2"/>
+          </p:cNvCxnSpPr>
+          <p:nvPr/>
+        </p:nvCxnSpPr>
+        <p:spPr>
+          <a:xfrm flipH="1">
+            <a:off x="9511469" y="3208946"/>
+            <a:ext cx="1777525" cy="1337417"/>
+          </a:xfrm>
+          <a:prstGeom prst="straightConnector1">
+            <a:avLst/>
+          </a:prstGeom>
+          <a:ln>
+            <a:tailEnd type="triangle"/>
+          </a:ln>
+        </p:spPr>
+        <p:style>
+          <a:lnRef idx="1">
+            <a:schemeClr val="accent1"/>
+          </a:lnRef>
+          <a:fillRef idx="0">
+            <a:schemeClr val="accent1"/>
+          </a:fillRef>
+          <a:effectRef idx="0">
+            <a:schemeClr val="accent1"/>
+          </a:effectRef>
+          <a:fontRef idx="minor">
+            <a:schemeClr val="tx1"/>
+          </a:fontRef>
+        </p:style>
+      </p:cxnSp>
+      <p:cxnSp>
+        <p:nvCxnSpPr>
+          <p:cNvPr id="47" name="Straight Arrow Connector 46"/>
+          <p:cNvCxnSpPr>
+            <a:stCxn id="42" idx="2"/>
+          </p:cNvCxnSpPr>
+          <p:nvPr/>
+        </p:nvCxnSpPr>
+        <p:spPr>
+          <a:xfrm>
+            <a:off x="11288994" y="3208946"/>
+            <a:ext cx="0" cy="1337417"/>
+          </a:xfrm>
+          <a:prstGeom prst="straightConnector1">
+            <a:avLst/>
+          </a:prstGeom>
+          <a:ln>
+            <a:tailEnd type="triangle"/>
+          </a:ln>
+        </p:spPr>
+        <p:style>
+          <a:lnRef idx="1">
+            <a:schemeClr val="accent1"/>
+          </a:lnRef>
+          <a:fillRef idx="0">
+            <a:schemeClr val="accent1"/>
+          </a:fillRef>
+          <a:effectRef idx="0">
+            <a:schemeClr val="accent1"/>
+          </a:effectRef>
+          <a:fontRef idx="minor">
+            <a:schemeClr val="tx1"/>
+          </a:fontRef>
+        </p:style>
+      </p:cxnSp>
+      <p:sp>
+        <p:nvSpPr>
+          <p:cNvPr id="48" name="Rounded Rectangle 47"/>
+          <p:cNvSpPr/>
+          <p:nvPr/>
+        </p:nvSpPr>
+        <p:spPr>
+          <a:xfrm>
+            <a:off x="10695061" y="4519756"/>
+            <a:ext cx="1187866" cy="495655"/>
+          </a:xfrm>
+          <a:prstGeom prst="roundRect">
+            <a:avLst/>
+          </a:prstGeom>
+        </p:spPr>
+        <p:style>
+          <a:lnRef idx="2">
+            <a:schemeClr val="accent1">
+              <a:shade val="50000"/>
+            </a:schemeClr>
+          </a:lnRef>
+          <a:fillRef idx="1">
+            <a:schemeClr val="accent1"/>
+          </a:fillRef>
+          <a:effectRef idx="0">
+            <a:schemeClr val="accent1"/>
+          </a:effectRef>
+          <a:fontRef idx="minor">
+            <a:schemeClr val="lt1"/>
+          </a:fontRef>
+        </p:style>
+        <p:txBody>
+          <a:bodyPr rtlCol="0" anchor="ctr"/>
+          <a:lstStyle/>
+          <a:p>
+            <a:pPr algn="ctr"/>
+            <a:r>
+              <a:rPr lang="zh-CN" altLang="en-US" sz="1600" dirty="0" smtClean="0">
+                <a:solidFill>
+                  <a:schemeClr val="tx1"/>
+                </a:solidFill>
+              </a:rPr>
+              <a:t>结束</a:t>
+            </a:r>
+            <a:endParaRPr lang="zh-CN" altLang="en-US" sz="1600" dirty="0">
+              <a:solidFill>
+                <a:schemeClr val="tx1"/>
+              </a:solidFill>
+            </a:endParaRPr>
+          </a:p>
+        </p:txBody>
+      </p:sp>
+      <p:sp>
+        <p:nvSpPr>
+          <p:cNvPr id="49" name="Rounded Rectangle 48"/>
+          <p:cNvSpPr/>
+          <p:nvPr/>
+        </p:nvSpPr>
+        <p:spPr>
+          <a:xfrm>
+            <a:off x="8814209" y="4519756"/>
+            <a:ext cx="1187866" cy="495655"/>
+          </a:xfrm>
+          <a:prstGeom prst="roundRect">
+            <a:avLst/>
+          </a:prstGeom>
+        </p:spPr>
+        <p:style>
+          <a:lnRef idx="2">
+            <a:schemeClr val="accent1">
+              <a:shade val="50000"/>
+            </a:schemeClr>
+          </a:lnRef>
+          <a:fillRef idx="1">
+            <a:schemeClr val="accent1"/>
+          </a:fillRef>
+          <a:effectRef idx="0">
+            <a:schemeClr val="accent1"/>
+          </a:effectRef>
+          <a:fontRef idx="minor">
+            <a:schemeClr val="lt1"/>
+          </a:fontRef>
+        </p:style>
+        <p:txBody>
+          <a:bodyPr rtlCol="0" anchor="ctr"/>
+          <a:lstStyle/>
+          <a:p>
+            <a:pPr algn="ctr"/>
+            <a:r>
+              <a:rPr lang="zh-CN" altLang="en-US" sz="1600" dirty="0"/>
+              <a:t>找</a:t>
+            </a:r>
+            <a:r>
+              <a:rPr lang="zh-CN" altLang="en-US" sz="1600" dirty="0" smtClean="0"/>
+              <a:t>到</a:t>
+            </a:r>
+            <a:r>
+              <a:rPr lang="zh-CN" altLang="en-US" sz="1600" dirty="0" smtClean="0">
+                <a:solidFill>
+                  <a:schemeClr val="tx1"/>
+                </a:solidFill>
+              </a:rPr>
+              <a:t>张辉</a:t>
+            </a:r>
+            <a:endParaRPr lang="zh-CN" altLang="en-US" sz="1600" dirty="0">
+              <a:solidFill>
+                <a:schemeClr val="tx1"/>
+              </a:solidFill>
+            </a:endParaRPr>
+          </a:p>
+        </p:txBody>
+      </p:sp>
+      <p:sp>
+        <p:nvSpPr>
+          <p:cNvPr id="50" name="Rectangle 49"/>
+          <p:cNvSpPr/>
+          <p:nvPr/>
+        </p:nvSpPr>
+        <p:spPr>
+          <a:xfrm>
+            <a:off x="8763712" y="4941073"/>
+            <a:ext cx="1273324" cy="588056"/>
+          </a:xfrm>
+          <a:prstGeom prst="rect">
+            <a:avLst/>
+          </a:prstGeom>
+        </p:spPr>
+        <p:style>
+          <a:lnRef idx="0">
+            <a:schemeClr val="accent6"/>
+          </a:lnRef>
+          <a:fillRef idx="3">
+            <a:schemeClr val="accent6"/>
+          </a:fillRef>
+          <a:effectRef idx="3">
+            <a:schemeClr val="accent6"/>
+          </a:effectRef>
+          <a:fontRef idx="minor">
+            <a:schemeClr val="lt1"/>
+          </a:fontRef>
+        </p:style>
+        <p:txBody>
+          <a:bodyPr rtlCol="0" anchor="ctr"/>
+          <a:lstStyle/>
+          <a:p>
+            <a:pPr algn="ctr"/>
+            <a:r>
+              <a:rPr lang="zh-CN" altLang="en-US" sz="1400" dirty="0" smtClean="0"/>
+              <a:t>得到关于暗线的线索</a:t>
+            </a:r>
+            <a:endParaRPr lang="zh-CN" altLang="en-US" sz="1400" dirty="0"/>
+          </a:p>
+        </p:txBody>
+      </p:sp>
+      <p:cxnSp>
+        <p:nvCxnSpPr>
+          <p:cNvPr id="52" name="Straight Arrow Connector 51"/>
+          <p:cNvCxnSpPr>
+            <a:stCxn id="50" idx="2"/>
+          </p:cNvCxnSpPr>
+          <p:nvPr/>
+        </p:nvCxnSpPr>
+        <p:spPr>
+          <a:xfrm>
+            <a:off x="9400374" y="5529129"/>
+            <a:ext cx="0" cy="461473"/>
+          </a:xfrm>
+          <a:prstGeom prst="straightConnector1">
+            <a:avLst/>
+          </a:prstGeom>
+          <a:ln>
+            <a:tailEnd type="triangle"/>
+          </a:ln>
+        </p:spPr>
+        <p:style>
+          <a:lnRef idx="1">
+            <a:schemeClr val="accent1"/>
+          </a:lnRef>
+          <a:fillRef idx="0">
+            <a:schemeClr val="accent1"/>
+          </a:fillRef>
+          <a:effectRef idx="0">
+            <a:schemeClr val="accent1"/>
+          </a:effectRef>
+          <a:fontRef idx="minor">
+            <a:schemeClr val="tx1"/>
+          </a:fontRef>
+        </p:style>
+      </p:cxnSp>
+      <p:sp>
+        <p:nvSpPr>
+          <p:cNvPr id="53" name="Rounded Rectangle 52"/>
+          <p:cNvSpPr/>
+          <p:nvPr/>
+        </p:nvSpPr>
+        <p:spPr>
+          <a:xfrm>
+            <a:off x="8849170" y="5978655"/>
+            <a:ext cx="1187866" cy="495655"/>
+          </a:xfrm>
+          <a:prstGeom prst="roundRect">
+            <a:avLst/>
+          </a:prstGeom>
+        </p:spPr>
+        <p:style>
+          <a:lnRef idx="2">
+            <a:schemeClr val="accent1">
+              <a:shade val="50000"/>
+            </a:schemeClr>
+          </a:lnRef>
+          <a:fillRef idx="1">
+            <a:schemeClr val="accent1"/>
+          </a:fillRef>
+          <a:effectRef idx="0">
+            <a:schemeClr val="accent1"/>
+          </a:effectRef>
+          <a:fontRef idx="minor">
+            <a:schemeClr val="lt1"/>
+          </a:fontRef>
+        </p:style>
+        <p:txBody>
+          <a:bodyPr rtlCol="0" anchor="ctr"/>
+          <a:lstStyle/>
+          <a:p>
+            <a:pPr algn="ctr"/>
+            <a:r>
+              <a:rPr lang="zh-CN" altLang="en-US" sz="1600" dirty="0" smtClean="0">
+                <a:solidFill>
+                  <a:schemeClr val="tx1"/>
+                </a:solidFill>
+              </a:rPr>
+              <a:t>结束</a:t>
+            </a:r>
+            <a:endParaRPr lang="zh-CN" altLang="en-US" sz="1600" dirty="0">
+              <a:solidFill>
+                <a:schemeClr val="tx1"/>
+              </a:solidFill>
+            </a:endParaRPr>
           </a:p>
         </p:txBody>
       </p:sp>

--- a/关卡2-李硕.pptx
+++ b/关卡2-李硕.pptx
@@ -11,8 +11,8 @@
     <p:sldId id="256" r:id="rId2"/>
     <p:sldId id="258" r:id="rId3"/>
     <p:sldId id="260" r:id="rId4"/>
-    <p:sldId id="261" r:id="rId5"/>
-    <p:sldId id="262" r:id="rId6"/>
+    <p:sldId id="262" r:id="rId5"/>
+    <p:sldId id="261" r:id="rId6"/>
   </p:sldIdLst>
   <p:sldSz cx="12192000" cy="6858000"/>
   <p:notesSz cx="6858000" cy="9144000"/>
@@ -4408,7 +4408,7 @@
             <a:pPr algn="ctr"/>
             <a:r>
               <a:rPr lang="zh-CN" altLang="en-US" sz="1600" dirty="0" smtClean="0"/>
-              <a:t>骗走女主播</a:t>
+              <a:t>打晕女主播</a:t>
             </a:r>
             <a:endParaRPr lang="zh-CN" altLang="en-US" sz="1600" dirty="0"/>
           </a:p>
@@ -4815,11 +4815,15 @@
           <a:p>
             <a:r>
               <a:rPr lang="en-US" altLang="zh-CN" dirty="0" smtClean="0"/>
-              <a:t>NPC2</a:t>
+              <a:t>NPC</a:t>
             </a:r>
             <a:r>
               <a:rPr lang="zh-CN" altLang="en-US" dirty="0" smtClean="0"/>
-              <a:t>：提供告诉</a:t>
+              <a:t>？：</a:t>
+            </a:r>
+            <a:r>
+              <a:rPr lang="zh-CN" altLang="en-US" dirty="0" smtClean="0"/>
+              <a:t>提供告诉</a:t>
             </a:r>
             <a:r>
               <a:rPr lang="en-US" altLang="zh-CN" dirty="0" smtClean="0"/>
@@ -4856,8 +4860,8 @@
           <a:lstStyle/>
           <a:p>
             <a:r>
-              <a:rPr lang="en-US" altLang="zh-CN" dirty="0" smtClean="0"/>
-              <a:t>NPC1</a:t>
+              <a:rPr lang="zh-CN" altLang="en-US" dirty="0"/>
+              <a:t>王燕</a:t>
             </a:r>
             <a:r>
               <a:rPr lang="zh-CN" altLang="en-US" dirty="0" smtClean="0"/>
@@ -4991,12 +4995,12 @@
           <a:lstStyle/>
           <a:p>
             <a:r>
-              <a:rPr lang="en-US" altLang="zh-CN" dirty="0" smtClean="0"/>
-              <a:t>NPC3</a:t>
-            </a:r>
-            <a:r>
               <a:rPr lang="zh-CN" altLang="en-US" dirty="0" smtClean="0"/>
-              <a:t>：换取胸罩</a:t>
+              <a:t>张辉：</a:t>
+            </a:r>
+            <a:r>
+              <a:rPr lang="zh-CN" altLang="en-US" dirty="0" smtClean="0"/>
+              <a:t>换取胸罩</a:t>
             </a:r>
             <a:endParaRPr lang="zh-CN" altLang="en-US" dirty="0"/>
           </a:p>
@@ -5058,12 +5062,16 @@
           <a:lstStyle/>
           <a:p>
             <a:r>
-              <a:rPr lang="en-US" altLang="zh-CN" dirty="0" smtClean="0"/>
-              <a:t>NPC2</a:t>
+              <a:rPr lang="zh-CN" altLang="en-US" dirty="0"/>
+              <a:t>老余</a:t>
             </a:r>
             <a:r>
               <a:rPr lang="zh-CN" altLang="en-US" dirty="0" smtClean="0"/>
-              <a:t>：换取超短裙</a:t>
+              <a:t>：</a:t>
+            </a:r>
+            <a:r>
+              <a:rPr lang="zh-CN" altLang="en-US" dirty="0" smtClean="0"/>
+              <a:t>换取超短裙</a:t>
             </a:r>
             <a:endParaRPr lang="zh-CN" altLang="en-US" dirty="0"/>
           </a:p>
@@ -5092,26 +5100,14 @@
           <a:lstStyle/>
           <a:p>
             <a:r>
-              <a:rPr lang="en-US" altLang="zh-CN" dirty="0" smtClean="0">
-                <a:solidFill>
-                  <a:schemeClr val="accent2"/>
-                </a:solidFill>
-              </a:rPr>
-              <a:t>NPC4</a:t>
-            </a:r>
-            <a:r>
-              <a:rPr lang="zh-CN" altLang="en-US" dirty="0" smtClean="0">
-                <a:solidFill>
-                  <a:schemeClr val="accent2"/>
-                </a:solidFill>
-              </a:rPr>
-              <a:t>：商店老板，购买假发</a:t>
-            </a:r>
-            <a:endParaRPr lang="zh-CN" altLang="en-US" dirty="0">
-              <a:solidFill>
-                <a:schemeClr val="accent2"/>
-              </a:solidFill>
-            </a:endParaRPr>
+              <a:rPr lang="zh-CN" altLang="en-US" dirty="0" smtClean="0"/>
+              <a:t>焦困：</a:t>
+            </a:r>
+            <a:r>
+              <a:rPr lang="zh-CN" altLang="en-US" dirty="0" smtClean="0"/>
+              <a:t>商店老板，购买假发</a:t>
+            </a:r>
+            <a:endParaRPr lang="zh-CN" altLang="en-US" dirty="0"/>
           </a:p>
         </p:txBody>
       </p:sp>
@@ -5191,40 +5187,6 @@
       </p:sp>
       <p:sp>
         <p:nvSpPr>
-          <p:cNvPr id="59" name="TextBox 58"/>
-          <p:cNvSpPr txBox="1"/>
-          <p:nvPr/>
-        </p:nvSpPr>
-        <p:spPr>
-          <a:xfrm>
-            <a:off x="7601378" y="3733972"/>
-            <a:ext cx="1812721" cy="369332"/>
-          </a:xfrm>
-          <a:prstGeom prst="rect">
-            <a:avLst/>
-          </a:prstGeom>
-          <a:noFill/>
-        </p:spPr>
-        <p:txBody>
-          <a:bodyPr wrap="square" rtlCol="0">
-            <a:spAutoFit/>
-          </a:bodyPr>
-          <a:lstStyle/>
-          <a:p>
-            <a:r>
-              <a:rPr lang="en-US" altLang="zh-CN" dirty="0" smtClean="0"/>
-              <a:t>NPC5</a:t>
-            </a:r>
-            <a:r>
-              <a:rPr lang="zh-CN" altLang="en-US" dirty="0" smtClean="0"/>
-              <a:t>：女主播</a:t>
-            </a:r>
-            <a:endParaRPr lang="zh-CN" altLang="en-US" dirty="0"/>
-          </a:p>
-        </p:txBody>
-      </p:sp>
-      <p:sp>
-        <p:nvSpPr>
           <p:cNvPr id="60" name="TextBox 59"/>
           <p:cNvSpPr txBox="1"/>
           <p:nvPr/>
@@ -5355,7 +5317,7 @@
         </p:nvSpPr>
         <p:spPr>
           <a:xfrm>
-            <a:off x="7545913" y="4176529"/>
+            <a:off x="7537462" y="3821351"/>
             <a:ext cx="3102780" cy="369332"/>
           </a:xfrm>
           <a:prstGeom prst="rect">
@@ -5374,43 +5336,6 @@
               <a:t>女主播：张辉女友</a:t>
             </a:r>
             <a:endParaRPr lang="zh-CN" altLang="en-US" dirty="0"/>
-          </a:p>
-        </p:txBody>
-      </p:sp>
-      <p:sp>
-        <p:nvSpPr>
-          <p:cNvPr id="44" name="TextBox 43"/>
-          <p:cNvSpPr txBox="1"/>
-          <p:nvPr/>
-        </p:nvSpPr>
-        <p:spPr>
-          <a:xfrm>
-            <a:off x="2244090" y="4692389"/>
-            <a:ext cx="2624455" cy="369332"/>
-          </a:xfrm>
-          <a:prstGeom prst="rect">
-            <a:avLst/>
-          </a:prstGeom>
-          <a:noFill/>
-        </p:spPr>
-        <p:txBody>
-          <a:bodyPr wrap="square" rtlCol="0">
-            <a:spAutoFit/>
-          </a:bodyPr>
-          <a:lstStyle/>
-          <a:p>
-            <a:r>
-              <a:rPr lang="en-US" altLang="zh-CN" dirty="0" smtClean="0"/>
-              <a:t>NPC2</a:t>
-            </a:r>
-            <a:r>
-              <a:rPr lang="zh-CN" altLang="en-US" dirty="0" smtClean="0"/>
-              <a:t>：</a:t>
-            </a:r>
-            <a:r>
-              <a:rPr lang="zh-CN" altLang="en-US" dirty="0"/>
-              <a:t>老余</a:t>
-            </a:r>
           </a:p>
         </p:txBody>
       </p:sp>
@@ -5430,6 +5355,1650 @@
 </file>
 
 <file path=ppt/slides/slide4.xml><?xml version="1.0" encoding="utf-8"?>
+<p:sld xmlns:a="http://schemas.openxmlformats.org/drawingml/2006/main" xmlns:r="http://schemas.openxmlformats.org/officeDocument/2006/relationships" xmlns:p="http://schemas.openxmlformats.org/presentationml/2006/main">
+  <p:cSld>
+    <p:spTree>
+      <p:nvGrpSpPr>
+        <p:cNvPr id="1" name=""/>
+        <p:cNvGrpSpPr/>
+        <p:nvPr/>
+      </p:nvGrpSpPr>
+      <p:grpSpPr>
+        <a:xfrm>
+          <a:off x="0" y="0"/>
+          <a:ext cx="0" cy="0"/>
+          <a:chOff x="0" y="0"/>
+          <a:chExt cx="0" cy="0"/>
+        </a:xfrm>
+      </p:grpSpPr>
+      <p:sp>
+        <p:nvSpPr>
+          <p:cNvPr id="6" name="矩形 5"/>
+          <p:cNvSpPr/>
+          <p:nvPr/>
+        </p:nvSpPr>
+        <p:spPr>
+          <a:xfrm>
+            <a:off x="0" y="333375"/>
+            <a:ext cx="12192000" cy="900430"/>
+          </a:xfrm>
+          <a:prstGeom prst="rect">
+            <a:avLst/>
+          </a:prstGeom>
+          <a:solidFill>
+            <a:srgbClr val="00AE66"/>
+          </a:solidFill>
+          <a:ln>
+            <a:noFill/>
+          </a:ln>
+        </p:spPr>
+        <p:style>
+          <a:lnRef idx="2">
+            <a:schemeClr val="accent1">
+              <a:shade val="50000"/>
+            </a:schemeClr>
+          </a:lnRef>
+          <a:fillRef idx="1">
+            <a:schemeClr val="accent1"/>
+          </a:fillRef>
+          <a:effectRef idx="0">
+            <a:schemeClr val="accent1"/>
+          </a:effectRef>
+          <a:fontRef idx="minor">
+            <a:schemeClr val="lt1"/>
+          </a:fontRef>
+        </p:style>
+        <p:txBody>
+          <a:bodyPr rtlCol="0" anchor="ctr"/>
+          <a:lstStyle/>
+          <a:p>
+            <a:pPr algn="ctr"/>
+            <a:endParaRPr lang="zh-CN" altLang="en-US"/>
+          </a:p>
+        </p:txBody>
+      </p:sp>
+      <p:sp>
+        <p:nvSpPr>
+          <p:cNvPr id="9" name="页脚占位符 8"/>
+          <p:cNvSpPr>
+            <a:spLocks noGrp="1"/>
+          </p:cNvSpPr>
+          <p:nvPr>
+            <p:ph type="ftr" sz="quarter" idx="11"/>
+          </p:nvPr>
+        </p:nvSpPr>
+        <p:spPr>
+          <a:xfrm>
+            <a:off x="10880090" y="6596380"/>
+            <a:ext cx="1311910" cy="245110"/>
+          </a:xfrm>
+        </p:spPr>
+        <p:txBody>
+          <a:bodyPr/>
+          <a:lstStyle/>
+          <a:p>
+            <a:r>
+              <a:rPr lang="zh-CN" altLang="en-US"/>
+              <a:t>三人开发小组</a:t>
+            </a:r>
+          </a:p>
+        </p:txBody>
+      </p:sp>
+      <p:sp>
+        <p:nvSpPr>
+          <p:cNvPr id="7" name="文本框 3"/>
+          <p:cNvSpPr txBox="1"/>
+          <p:nvPr/>
+        </p:nvSpPr>
+        <p:spPr>
+          <a:xfrm>
+            <a:off x="722630" y="433070"/>
+            <a:ext cx="4584308" cy="701040"/>
+          </a:xfrm>
+          <a:prstGeom prst="rect">
+            <a:avLst/>
+          </a:prstGeom>
+          <a:noFill/>
+        </p:spPr>
+        <p:txBody>
+          <a:bodyPr wrap="square" rtlCol="0">
+            <a:spAutoFit/>
+          </a:bodyPr>
+          <a:lstStyle/>
+          <a:p>
+            <a:r>
+              <a:rPr lang="zh-CN" altLang="en-US" sz="4000" dirty="0" smtClean="0">
+                <a:solidFill>
+                  <a:schemeClr val="bg1"/>
+                </a:solidFill>
+              </a:rPr>
+              <a:t>关卡详细流程</a:t>
+            </a:r>
+            <a:endParaRPr lang="zh-CN" altLang="zh-CN" sz="4000" dirty="0">
+              <a:solidFill>
+                <a:schemeClr val="bg1"/>
+              </a:solidFill>
+            </a:endParaRPr>
+          </a:p>
+        </p:txBody>
+      </p:sp>
+      <p:sp>
+        <p:nvSpPr>
+          <p:cNvPr id="8" name="Rounded Rectangle 7"/>
+          <p:cNvSpPr/>
+          <p:nvPr/>
+        </p:nvSpPr>
+        <p:spPr>
+          <a:xfrm>
+            <a:off x="213644" y="2939754"/>
+            <a:ext cx="1187866" cy="495655"/>
+          </a:xfrm>
+          <a:prstGeom prst="roundRect">
+            <a:avLst/>
+          </a:prstGeom>
+        </p:spPr>
+        <p:style>
+          <a:lnRef idx="2">
+            <a:schemeClr val="accent1">
+              <a:shade val="50000"/>
+            </a:schemeClr>
+          </a:lnRef>
+          <a:fillRef idx="1">
+            <a:schemeClr val="accent1"/>
+          </a:fillRef>
+          <a:effectRef idx="0">
+            <a:schemeClr val="accent1"/>
+          </a:effectRef>
+          <a:fontRef idx="minor">
+            <a:schemeClr val="lt1"/>
+          </a:fontRef>
+        </p:style>
+        <p:txBody>
+          <a:bodyPr rtlCol="0" anchor="ctr"/>
+          <a:lstStyle/>
+          <a:p>
+            <a:pPr algn="ctr"/>
+            <a:r>
+              <a:rPr lang="zh-CN" altLang="en-US" sz="1600" dirty="0" smtClean="0"/>
+              <a:t>玩家出门</a:t>
+            </a:r>
+            <a:endParaRPr lang="zh-CN" altLang="en-US" sz="1600" dirty="0"/>
+          </a:p>
+        </p:txBody>
+      </p:sp>
+      <p:sp>
+        <p:nvSpPr>
+          <p:cNvPr id="10" name="Rounded Rectangle 9"/>
+          <p:cNvSpPr/>
+          <p:nvPr/>
+        </p:nvSpPr>
+        <p:spPr>
+          <a:xfrm>
+            <a:off x="1811708" y="2939754"/>
+            <a:ext cx="1187866" cy="495655"/>
+          </a:xfrm>
+          <a:prstGeom prst="roundRect">
+            <a:avLst/>
+          </a:prstGeom>
+        </p:spPr>
+        <p:style>
+          <a:lnRef idx="2">
+            <a:schemeClr val="accent1">
+              <a:shade val="50000"/>
+            </a:schemeClr>
+          </a:lnRef>
+          <a:fillRef idx="1">
+            <a:schemeClr val="accent1"/>
+          </a:fillRef>
+          <a:effectRef idx="0">
+            <a:schemeClr val="accent1"/>
+          </a:effectRef>
+          <a:fontRef idx="minor">
+            <a:schemeClr val="lt1"/>
+          </a:fontRef>
+        </p:style>
+        <p:txBody>
+          <a:bodyPr rtlCol="0" anchor="ctr"/>
+          <a:lstStyle/>
+          <a:p>
+            <a:pPr algn="ctr"/>
+            <a:r>
+              <a:rPr lang="zh-CN" altLang="en-US" sz="1600" dirty="0"/>
+              <a:t>找</a:t>
+            </a:r>
+            <a:r>
+              <a:rPr lang="zh-CN" altLang="en-US" sz="1600" dirty="0" smtClean="0"/>
+              <a:t>到</a:t>
+            </a:r>
+            <a:r>
+              <a:rPr lang="en-US" altLang="zh-CN" sz="1600" dirty="0" smtClean="0">
+                <a:solidFill>
+                  <a:schemeClr val="tx1"/>
+                </a:solidFill>
+              </a:rPr>
+              <a:t>b</a:t>
+            </a:r>
+            <a:r>
+              <a:rPr lang="zh-CN" altLang="en-US" sz="1600" dirty="0" smtClean="0">
+                <a:solidFill>
+                  <a:schemeClr val="tx1"/>
+                </a:solidFill>
+              </a:rPr>
+              <a:t>哥</a:t>
+            </a:r>
+            <a:endParaRPr lang="zh-CN" altLang="en-US" sz="1600" dirty="0">
+              <a:solidFill>
+                <a:schemeClr val="tx1"/>
+              </a:solidFill>
+            </a:endParaRPr>
+          </a:p>
+        </p:txBody>
+      </p:sp>
+      <p:cxnSp>
+        <p:nvCxnSpPr>
+          <p:cNvPr id="5" name="Straight Arrow Connector 4"/>
+          <p:cNvCxnSpPr>
+            <a:stCxn id="8" idx="3"/>
+            <a:endCxn id="10" idx="1"/>
+          </p:cNvCxnSpPr>
+          <p:nvPr/>
+        </p:nvCxnSpPr>
+        <p:spPr>
+          <a:xfrm>
+            <a:off x="1401510" y="3187582"/>
+            <a:ext cx="410198" cy="0"/>
+          </a:xfrm>
+          <a:prstGeom prst="straightConnector1">
+            <a:avLst/>
+          </a:prstGeom>
+          <a:ln>
+            <a:tailEnd type="triangle"/>
+          </a:ln>
+        </p:spPr>
+        <p:style>
+          <a:lnRef idx="1">
+            <a:schemeClr val="accent1"/>
+          </a:lnRef>
+          <a:fillRef idx="0">
+            <a:schemeClr val="accent1"/>
+          </a:fillRef>
+          <a:effectRef idx="0">
+            <a:schemeClr val="accent1"/>
+          </a:effectRef>
+          <a:fontRef idx="minor">
+            <a:schemeClr val="tx1"/>
+          </a:fontRef>
+        </p:style>
+      </p:cxnSp>
+      <p:cxnSp>
+        <p:nvCxnSpPr>
+          <p:cNvPr id="11" name="Straight Arrow Connector 10"/>
+          <p:cNvCxnSpPr/>
+          <p:nvPr/>
+        </p:nvCxnSpPr>
+        <p:spPr>
+          <a:xfrm>
+            <a:off x="2999574" y="3187582"/>
+            <a:ext cx="410198" cy="0"/>
+          </a:xfrm>
+          <a:prstGeom prst="straightConnector1">
+            <a:avLst/>
+          </a:prstGeom>
+          <a:ln>
+            <a:tailEnd type="triangle"/>
+          </a:ln>
+        </p:spPr>
+        <p:style>
+          <a:lnRef idx="1">
+            <a:schemeClr val="accent1"/>
+          </a:lnRef>
+          <a:fillRef idx="0">
+            <a:schemeClr val="accent1"/>
+          </a:fillRef>
+          <a:effectRef idx="0">
+            <a:schemeClr val="accent1"/>
+          </a:effectRef>
+          <a:fontRef idx="minor">
+            <a:schemeClr val="tx1"/>
+          </a:fontRef>
+        </p:style>
+      </p:cxnSp>
+      <p:sp>
+        <p:nvSpPr>
+          <p:cNvPr id="13" name="Rounded Rectangle 12"/>
+          <p:cNvSpPr/>
+          <p:nvPr/>
+        </p:nvSpPr>
+        <p:spPr>
+          <a:xfrm>
+            <a:off x="3409772" y="2939754"/>
+            <a:ext cx="1187866" cy="495655"/>
+          </a:xfrm>
+          <a:prstGeom prst="roundRect">
+            <a:avLst/>
+          </a:prstGeom>
+        </p:spPr>
+        <p:style>
+          <a:lnRef idx="2">
+            <a:schemeClr val="accent1">
+              <a:shade val="50000"/>
+            </a:schemeClr>
+          </a:lnRef>
+          <a:fillRef idx="1">
+            <a:schemeClr val="accent1"/>
+          </a:fillRef>
+          <a:effectRef idx="0">
+            <a:schemeClr val="accent1"/>
+          </a:effectRef>
+          <a:fontRef idx="minor">
+            <a:schemeClr val="lt1"/>
+          </a:fontRef>
+        </p:style>
+        <p:txBody>
+          <a:bodyPr rtlCol="0" anchor="ctr"/>
+          <a:lstStyle/>
+          <a:p>
+            <a:pPr algn="ctr"/>
+            <a:r>
+              <a:rPr lang="zh-CN" altLang="en-US" sz="1600" dirty="0"/>
+              <a:t>找</a:t>
+            </a:r>
+            <a:r>
+              <a:rPr lang="zh-CN" altLang="en-US" sz="1600" dirty="0" smtClean="0"/>
+              <a:t>到</a:t>
+            </a:r>
+            <a:r>
+              <a:rPr lang="zh-CN" altLang="en-US" sz="1600" dirty="0" smtClean="0">
+                <a:solidFill>
+                  <a:schemeClr val="tx1"/>
+                </a:solidFill>
+              </a:rPr>
+              <a:t>薇儿</a:t>
+            </a:r>
+            <a:endParaRPr lang="zh-CN" altLang="en-US" sz="1600" dirty="0">
+              <a:solidFill>
+                <a:schemeClr val="tx1"/>
+              </a:solidFill>
+            </a:endParaRPr>
+          </a:p>
+        </p:txBody>
+      </p:sp>
+      <p:sp>
+        <p:nvSpPr>
+          <p:cNvPr id="16" name="Rectangle 15"/>
+          <p:cNvSpPr/>
+          <p:nvPr/>
+        </p:nvSpPr>
+        <p:spPr>
+          <a:xfrm>
+            <a:off x="1811708" y="1982625"/>
+            <a:ext cx="1273324" cy="948583"/>
+          </a:xfrm>
+          <a:prstGeom prst="rect">
+            <a:avLst/>
+          </a:prstGeom>
+        </p:spPr>
+        <p:style>
+          <a:lnRef idx="0">
+            <a:schemeClr val="accent6"/>
+          </a:lnRef>
+          <a:fillRef idx="3">
+            <a:schemeClr val="accent6"/>
+          </a:fillRef>
+          <a:effectRef idx="3">
+            <a:schemeClr val="accent6"/>
+          </a:effectRef>
+          <a:fontRef idx="minor">
+            <a:schemeClr val="lt1"/>
+          </a:fontRef>
+        </p:style>
+        <p:txBody>
+          <a:bodyPr rtlCol="0" anchor="ctr"/>
+          <a:lstStyle/>
+          <a:p>
+            <a:pPr algn="ctr"/>
+            <a:r>
+              <a:rPr lang="en-US" altLang="zh-CN" sz="1400" dirty="0" smtClean="0"/>
+              <a:t>b</a:t>
+            </a:r>
+            <a:r>
+              <a:rPr lang="zh-CN" altLang="en-US" sz="1400" dirty="0" smtClean="0"/>
+              <a:t>哥有钱不还，钱全被用来打赏女主播（薇儿）</a:t>
+            </a:r>
+            <a:endParaRPr lang="zh-CN" altLang="en-US" sz="1400" dirty="0"/>
+          </a:p>
+        </p:txBody>
+      </p:sp>
+      <p:sp>
+        <p:nvSpPr>
+          <p:cNvPr id="18" name="Rectangle 17"/>
+          <p:cNvSpPr/>
+          <p:nvPr/>
+        </p:nvSpPr>
+        <p:spPr>
+          <a:xfrm>
+            <a:off x="3405498" y="2334607"/>
+            <a:ext cx="1273324" cy="605147"/>
+          </a:xfrm>
+          <a:prstGeom prst="rect">
+            <a:avLst/>
+          </a:prstGeom>
+        </p:spPr>
+        <p:style>
+          <a:lnRef idx="0">
+            <a:schemeClr val="accent6"/>
+          </a:lnRef>
+          <a:fillRef idx="3">
+            <a:schemeClr val="accent6"/>
+          </a:fillRef>
+          <a:effectRef idx="3">
+            <a:schemeClr val="accent6"/>
+          </a:effectRef>
+          <a:fontRef idx="minor">
+            <a:schemeClr val="lt1"/>
+          </a:fontRef>
+        </p:style>
+        <p:txBody>
+          <a:bodyPr rtlCol="0" anchor="ctr"/>
+          <a:lstStyle/>
+          <a:p>
+            <a:pPr algn="ctr"/>
+            <a:r>
+              <a:rPr lang="zh-CN" altLang="en-US" sz="1400" dirty="0" smtClean="0"/>
+              <a:t>找到三件套才能假扮女主播</a:t>
+            </a:r>
+            <a:endParaRPr lang="zh-CN" altLang="en-US" sz="1400" dirty="0"/>
+          </a:p>
+        </p:txBody>
+      </p:sp>
+      <p:cxnSp>
+        <p:nvCxnSpPr>
+          <p:cNvPr id="19" name="Straight Arrow Connector 18"/>
+          <p:cNvCxnSpPr/>
+          <p:nvPr/>
+        </p:nvCxnSpPr>
+        <p:spPr>
+          <a:xfrm flipV="1">
+            <a:off x="4563455" y="2162086"/>
+            <a:ext cx="1162227" cy="1025496"/>
+          </a:xfrm>
+          <a:prstGeom prst="straightConnector1">
+            <a:avLst/>
+          </a:prstGeom>
+          <a:ln>
+            <a:tailEnd type="triangle"/>
+          </a:ln>
+        </p:spPr>
+        <p:style>
+          <a:lnRef idx="1">
+            <a:schemeClr val="accent1"/>
+          </a:lnRef>
+          <a:fillRef idx="0">
+            <a:schemeClr val="accent1"/>
+          </a:fillRef>
+          <a:effectRef idx="0">
+            <a:schemeClr val="accent1"/>
+          </a:effectRef>
+          <a:fontRef idx="minor">
+            <a:schemeClr val="tx1"/>
+          </a:fontRef>
+        </p:style>
+      </p:cxnSp>
+      <p:cxnSp>
+        <p:nvCxnSpPr>
+          <p:cNvPr id="21" name="Straight Arrow Connector 20"/>
+          <p:cNvCxnSpPr/>
+          <p:nvPr/>
+        </p:nvCxnSpPr>
+        <p:spPr>
+          <a:xfrm>
+            <a:off x="4529272" y="3187582"/>
+            <a:ext cx="1196410" cy="0"/>
+          </a:xfrm>
+          <a:prstGeom prst="straightConnector1">
+            <a:avLst/>
+          </a:prstGeom>
+          <a:ln>
+            <a:tailEnd type="triangle"/>
+          </a:ln>
+        </p:spPr>
+        <p:style>
+          <a:lnRef idx="1">
+            <a:schemeClr val="accent1"/>
+          </a:lnRef>
+          <a:fillRef idx="0">
+            <a:schemeClr val="accent1"/>
+          </a:fillRef>
+          <a:effectRef idx="0">
+            <a:schemeClr val="accent1"/>
+          </a:effectRef>
+          <a:fontRef idx="minor">
+            <a:schemeClr val="tx1"/>
+          </a:fontRef>
+        </p:style>
+      </p:cxnSp>
+      <p:cxnSp>
+        <p:nvCxnSpPr>
+          <p:cNvPr id="24" name="Straight Arrow Connector 23"/>
+          <p:cNvCxnSpPr>
+            <a:stCxn id="13" idx="3"/>
+            <a:endCxn id="29" idx="1"/>
+          </p:cNvCxnSpPr>
+          <p:nvPr/>
+        </p:nvCxnSpPr>
+        <p:spPr>
+          <a:xfrm>
+            <a:off x="4597638" y="3187582"/>
+            <a:ext cx="1128044" cy="1025496"/>
+          </a:xfrm>
+          <a:prstGeom prst="straightConnector1">
+            <a:avLst/>
+          </a:prstGeom>
+          <a:ln>
+            <a:tailEnd type="triangle"/>
+          </a:ln>
+        </p:spPr>
+        <p:style>
+          <a:lnRef idx="1">
+            <a:schemeClr val="accent1"/>
+          </a:lnRef>
+          <a:fillRef idx="0">
+            <a:schemeClr val="accent1"/>
+          </a:fillRef>
+          <a:effectRef idx="0">
+            <a:schemeClr val="accent1"/>
+          </a:effectRef>
+          <a:fontRef idx="minor">
+            <a:schemeClr val="tx1"/>
+          </a:fontRef>
+        </p:style>
+      </p:cxnSp>
+      <p:sp>
+        <p:nvSpPr>
+          <p:cNvPr id="27" name="Rounded Rectangle 26"/>
+          <p:cNvSpPr/>
+          <p:nvPr/>
+        </p:nvSpPr>
+        <p:spPr>
+          <a:xfrm>
+            <a:off x="5725682" y="2939754"/>
+            <a:ext cx="1187866" cy="495655"/>
+          </a:xfrm>
+          <a:prstGeom prst="roundRect">
+            <a:avLst/>
+          </a:prstGeom>
+        </p:spPr>
+        <p:style>
+          <a:lnRef idx="2">
+            <a:schemeClr val="accent1">
+              <a:shade val="50000"/>
+            </a:schemeClr>
+          </a:lnRef>
+          <a:fillRef idx="1">
+            <a:schemeClr val="accent1"/>
+          </a:fillRef>
+          <a:effectRef idx="0">
+            <a:schemeClr val="accent1"/>
+          </a:effectRef>
+          <a:fontRef idx="minor">
+            <a:schemeClr val="lt1"/>
+          </a:fontRef>
+        </p:style>
+        <p:txBody>
+          <a:bodyPr rtlCol="0" anchor="ctr"/>
+          <a:lstStyle/>
+          <a:p>
+            <a:pPr algn="ctr"/>
+            <a:r>
+              <a:rPr lang="zh-CN" altLang="en-US" sz="1600" dirty="0"/>
+              <a:t>找</a:t>
+            </a:r>
+            <a:r>
+              <a:rPr lang="zh-CN" altLang="en-US" sz="1600" dirty="0" smtClean="0"/>
+              <a:t>到</a:t>
+            </a:r>
+            <a:r>
+              <a:rPr lang="zh-CN" altLang="en-US" sz="1600" dirty="0" smtClean="0">
+                <a:solidFill>
+                  <a:schemeClr val="tx1"/>
+                </a:solidFill>
+              </a:rPr>
+              <a:t>老余</a:t>
+            </a:r>
+            <a:endParaRPr lang="zh-CN" altLang="en-US" sz="1600" dirty="0">
+              <a:solidFill>
+                <a:schemeClr val="tx1"/>
+              </a:solidFill>
+            </a:endParaRPr>
+          </a:p>
+        </p:txBody>
+      </p:sp>
+      <p:sp>
+        <p:nvSpPr>
+          <p:cNvPr id="28" name="Rounded Rectangle 27"/>
+          <p:cNvSpPr/>
+          <p:nvPr/>
+        </p:nvSpPr>
+        <p:spPr>
+          <a:xfrm>
+            <a:off x="5725682" y="1838952"/>
+            <a:ext cx="1187866" cy="495655"/>
+          </a:xfrm>
+          <a:prstGeom prst="roundRect">
+            <a:avLst/>
+          </a:prstGeom>
+        </p:spPr>
+        <p:style>
+          <a:lnRef idx="2">
+            <a:schemeClr val="accent1">
+              <a:shade val="50000"/>
+            </a:schemeClr>
+          </a:lnRef>
+          <a:fillRef idx="1">
+            <a:schemeClr val="accent1"/>
+          </a:fillRef>
+          <a:effectRef idx="0">
+            <a:schemeClr val="accent1"/>
+          </a:effectRef>
+          <a:fontRef idx="minor">
+            <a:schemeClr val="lt1"/>
+          </a:fontRef>
+        </p:style>
+        <p:txBody>
+          <a:bodyPr rtlCol="0" anchor="ctr"/>
+          <a:lstStyle/>
+          <a:p>
+            <a:pPr algn="ctr"/>
+            <a:r>
+              <a:rPr lang="zh-CN" altLang="en-US" sz="1600" dirty="0"/>
+              <a:t>找</a:t>
+            </a:r>
+            <a:r>
+              <a:rPr lang="zh-CN" altLang="en-US" sz="1600" dirty="0" smtClean="0"/>
+              <a:t>到</a:t>
+            </a:r>
+            <a:r>
+              <a:rPr lang="zh-CN" altLang="en-US" sz="1600" dirty="0" smtClean="0">
+                <a:solidFill>
+                  <a:schemeClr val="tx1"/>
+                </a:solidFill>
+              </a:rPr>
+              <a:t>张辉</a:t>
+            </a:r>
+            <a:endParaRPr lang="zh-CN" altLang="en-US" sz="1600" dirty="0">
+              <a:solidFill>
+                <a:schemeClr val="tx1"/>
+              </a:solidFill>
+            </a:endParaRPr>
+          </a:p>
+        </p:txBody>
+      </p:sp>
+      <p:sp>
+        <p:nvSpPr>
+          <p:cNvPr id="29" name="Rounded Rectangle 28"/>
+          <p:cNvSpPr/>
+          <p:nvPr/>
+        </p:nvSpPr>
+        <p:spPr>
+          <a:xfrm>
+            <a:off x="5725682" y="3965250"/>
+            <a:ext cx="1187866" cy="495655"/>
+          </a:xfrm>
+          <a:prstGeom prst="roundRect">
+            <a:avLst/>
+          </a:prstGeom>
+        </p:spPr>
+        <p:style>
+          <a:lnRef idx="2">
+            <a:schemeClr val="accent1">
+              <a:shade val="50000"/>
+            </a:schemeClr>
+          </a:lnRef>
+          <a:fillRef idx="1">
+            <a:schemeClr val="accent1"/>
+          </a:fillRef>
+          <a:effectRef idx="0">
+            <a:schemeClr val="accent1"/>
+          </a:effectRef>
+          <a:fontRef idx="minor">
+            <a:schemeClr val="lt1"/>
+          </a:fontRef>
+        </p:style>
+        <p:txBody>
+          <a:bodyPr rtlCol="0" anchor="ctr"/>
+          <a:lstStyle/>
+          <a:p>
+            <a:pPr algn="ctr"/>
+            <a:r>
+              <a:rPr lang="zh-CN" altLang="en-US" sz="1600" dirty="0"/>
+              <a:t>找</a:t>
+            </a:r>
+            <a:r>
+              <a:rPr lang="zh-CN" altLang="en-US" sz="1600" dirty="0" smtClean="0"/>
+              <a:t>到</a:t>
+            </a:r>
+            <a:r>
+              <a:rPr lang="zh-CN" altLang="en-US" sz="1600" dirty="0" smtClean="0">
+                <a:solidFill>
+                  <a:schemeClr val="tx1"/>
+                </a:solidFill>
+              </a:rPr>
+              <a:t>焦困</a:t>
+            </a:r>
+            <a:endParaRPr lang="en-US" altLang="zh-CN" sz="1600" dirty="0" smtClean="0">
+              <a:solidFill>
+                <a:schemeClr val="tx1"/>
+              </a:solidFill>
+            </a:endParaRPr>
+          </a:p>
+        </p:txBody>
+      </p:sp>
+      <p:sp>
+        <p:nvSpPr>
+          <p:cNvPr id="31" name="Rectangle 30"/>
+          <p:cNvSpPr/>
+          <p:nvPr/>
+        </p:nvSpPr>
+        <p:spPr>
+          <a:xfrm>
+            <a:off x="5682953" y="1354509"/>
+            <a:ext cx="1273324" cy="581114"/>
+          </a:xfrm>
+          <a:prstGeom prst="rect">
+            <a:avLst/>
+          </a:prstGeom>
+        </p:spPr>
+        <p:style>
+          <a:lnRef idx="0">
+            <a:schemeClr val="accent6"/>
+          </a:lnRef>
+          <a:fillRef idx="3">
+            <a:schemeClr val="accent6"/>
+          </a:fillRef>
+          <a:effectRef idx="3">
+            <a:schemeClr val="accent6"/>
+          </a:effectRef>
+          <a:fontRef idx="minor">
+            <a:schemeClr val="lt1"/>
+          </a:fontRef>
+        </p:style>
+        <p:txBody>
+          <a:bodyPr rtlCol="0" anchor="ctr"/>
+          <a:lstStyle/>
+          <a:p>
+            <a:pPr algn="ctr"/>
+            <a:r>
+              <a:rPr lang="zh-CN" altLang="en-US" sz="1400" dirty="0" smtClean="0"/>
+              <a:t>完成任务，获得 胸罩</a:t>
+            </a:r>
+            <a:endParaRPr lang="zh-CN" altLang="en-US" sz="1400" dirty="0"/>
+          </a:p>
+        </p:txBody>
+      </p:sp>
+      <p:sp>
+        <p:nvSpPr>
+          <p:cNvPr id="32" name="Rectangle 31"/>
+          <p:cNvSpPr/>
+          <p:nvPr/>
+        </p:nvSpPr>
+        <p:spPr>
+          <a:xfrm>
+            <a:off x="5682953" y="2431280"/>
+            <a:ext cx="1273324" cy="581114"/>
+          </a:xfrm>
+          <a:prstGeom prst="rect">
+            <a:avLst/>
+          </a:prstGeom>
+        </p:spPr>
+        <p:style>
+          <a:lnRef idx="0">
+            <a:schemeClr val="accent6"/>
+          </a:lnRef>
+          <a:fillRef idx="3">
+            <a:schemeClr val="accent6"/>
+          </a:fillRef>
+          <a:effectRef idx="3">
+            <a:schemeClr val="accent6"/>
+          </a:effectRef>
+          <a:fontRef idx="minor">
+            <a:schemeClr val="lt1"/>
+          </a:fontRef>
+        </p:style>
+        <p:txBody>
+          <a:bodyPr rtlCol="0" anchor="ctr"/>
+          <a:lstStyle/>
+          <a:p>
+            <a:pPr algn="ctr"/>
+            <a:r>
+              <a:rPr lang="zh-CN" altLang="en-US" sz="1400" dirty="0" smtClean="0"/>
+              <a:t>完成任务，获得 超短裙</a:t>
+            </a:r>
+            <a:endParaRPr lang="zh-CN" altLang="en-US" sz="1400" dirty="0"/>
+          </a:p>
+        </p:txBody>
+      </p:sp>
+      <p:sp>
+        <p:nvSpPr>
+          <p:cNvPr id="33" name="Rectangle 32"/>
+          <p:cNvSpPr/>
+          <p:nvPr/>
+        </p:nvSpPr>
+        <p:spPr>
+          <a:xfrm>
+            <a:off x="5682953" y="3512324"/>
+            <a:ext cx="1273324" cy="581114"/>
+          </a:xfrm>
+          <a:prstGeom prst="rect">
+            <a:avLst/>
+          </a:prstGeom>
+        </p:spPr>
+        <p:style>
+          <a:lnRef idx="0">
+            <a:schemeClr val="accent6"/>
+          </a:lnRef>
+          <a:fillRef idx="3">
+            <a:schemeClr val="accent6"/>
+          </a:fillRef>
+          <a:effectRef idx="3">
+            <a:schemeClr val="accent6"/>
+          </a:effectRef>
+          <a:fontRef idx="minor">
+            <a:schemeClr val="lt1"/>
+          </a:fontRef>
+        </p:style>
+        <p:txBody>
+          <a:bodyPr rtlCol="0" anchor="ctr"/>
+          <a:lstStyle/>
+          <a:p>
+            <a:pPr algn="ctr"/>
+            <a:r>
+              <a:rPr lang="zh-CN" altLang="en-US" sz="1400" dirty="0"/>
+              <a:t>商店</a:t>
+            </a:r>
+            <a:r>
+              <a:rPr lang="zh-CN" altLang="en-US" sz="1400" dirty="0" smtClean="0"/>
+              <a:t>，购买假发</a:t>
+            </a:r>
+            <a:endParaRPr lang="zh-CN" altLang="en-US" sz="1400" dirty="0"/>
+          </a:p>
+        </p:txBody>
+      </p:sp>
+      <p:sp>
+        <p:nvSpPr>
+          <p:cNvPr id="34" name="Right Brace 33"/>
+          <p:cNvSpPr/>
+          <p:nvPr/>
+        </p:nvSpPr>
+        <p:spPr>
+          <a:xfrm>
+            <a:off x="7152830" y="1427148"/>
+            <a:ext cx="290556" cy="3033757"/>
+          </a:xfrm>
+          <a:prstGeom prst="rightBrace">
+            <a:avLst/>
+          </a:prstGeom>
+        </p:spPr>
+        <p:style>
+          <a:lnRef idx="1">
+            <a:schemeClr val="accent1"/>
+          </a:lnRef>
+          <a:fillRef idx="0">
+            <a:schemeClr val="accent1"/>
+          </a:fillRef>
+          <a:effectRef idx="0">
+            <a:schemeClr val="accent1"/>
+          </a:effectRef>
+          <a:fontRef idx="minor">
+            <a:schemeClr val="tx1"/>
+          </a:fontRef>
+        </p:style>
+        <p:txBody>
+          <a:bodyPr rtlCol="0" anchor="ctr"/>
+          <a:lstStyle/>
+          <a:p>
+            <a:pPr algn="ctr"/>
+            <a:endParaRPr lang="zh-CN" altLang="en-US"/>
+          </a:p>
+        </p:txBody>
+      </p:sp>
+      <p:sp>
+        <p:nvSpPr>
+          <p:cNvPr id="36" name="Rounded Rectangle 35"/>
+          <p:cNvSpPr/>
+          <p:nvPr/>
+        </p:nvSpPr>
+        <p:spPr>
+          <a:xfrm>
+            <a:off x="7490388" y="2713291"/>
+            <a:ext cx="1187866" cy="495655"/>
+          </a:xfrm>
+          <a:prstGeom prst="roundRect">
+            <a:avLst/>
+          </a:prstGeom>
+        </p:spPr>
+        <p:style>
+          <a:lnRef idx="2">
+            <a:schemeClr val="accent1">
+              <a:shade val="50000"/>
+            </a:schemeClr>
+          </a:lnRef>
+          <a:fillRef idx="1">
+            <a:schemeClr val="accent1"/>
+          </a:fillRef>
+          <a:effectRef idx="0">
+            <a:schemeClr val="accent1"/>
+          </a:effectRef>
+          <a:fontRef idx="minor">
+            <a:schemeClr val="lt1"/>
+          </a:fontRef>
+        </p:style>
+        <p:txBody>
+          <a:bodyPr rtlCol="0" anchor="ctr"/>
+          <a:lstStyle/>
+          <a:p>
+            <a:pPr algn="ctr"/>
+            <a:r>
+              <a:rPr lang="zh-CN" altLang="en-US" sz="1600" dirty="0"/>
+              <a:t>找</a:t>
+            </a:r>
+            <a:r>
+              <a:rPr lang="zh-CN" altLang="en-US" sz="1600" dirty="0" smtClean="0"/>
+              <a:t>到</a:t>
+            </a:r>
+            <a:r>
+              <a:rPr lang="zh-CN" altLang="en-US" sz="1600" dirty="0" smtClean="0">
+                <a:solidFill>
+                  <a:schemeClr val="tx1"/>
+                </a:solidFill>
+              </a:rPr>
+              <a:t>薇儿</a:t>
+            </a:r>
+            <a:endParaRPr lang="zh-CN" altLang="en-US" sz="1600" dirty="0">
+              <a:solidFill>
+                <a:schemeClr val="tx1"/>
+              </a:solidFill>
+            </a:endParaRPr>
+          </a:p>
+        </p:txBody>
+      </p:sp>
+      <p:sp>
+        <p:nvSpPr>
+          <p:cNvPr id="37" name="Rectangle 36"/>
+          <p:cNvSpPr/>
+          <p:nvPr/>
+        </p:nvSpPr>
+        <p:spPr>
+          <a:xfrm>
+            <a:off x="7490388" y="1935623"/>
+            <a:ext cx="1273324" cy="878613"/>
+          </a:xfrm>
+          <a:prstGeom prst="rect">
+            <a:avLst/>
+          </a:prstGeom>
+        </p:spPr>
+        <p:style>
+          <a:lnRef idx="0">
+            <a:schemeClr val="accent6"/>
+          </a:lnRef>
+          <a:fillRef idx="3">
+            <a:schemeClr val="accent6"/>
+          </a:fillRef>
+          <a:effectRef idx="3">
+            <a:schemeClr val="accent6"/>
+          </a:effectRef>
+          <a:fontRef idx="minor">
+            <a:schemeClr val="lt1"/>
+          </a:fontRef>
+        </p:style>
+        <p:txBody>
+          <a:bodyPr rtlCol="0" anchor="ctr"/>
+          <a:lstStyle/>
+          <a:p>
+            <a:pPr algn="ctr"/>
+            <a:r>
+              <a:rPr lang="zh-CN" altLang="en-US" sz="1400" dirty="0" smtClean="0"/>
+              <a:t>电脑只有</a:t>
+            </a:r>
+            <a:r>
+              <a:rPr lang="zh-CN" altLang="en-US" sz="1400" dirty="0"/>
+              <a:t>一</a:t>
+            </a:r>
+            <a:r>
+              <a:rPr lang="zh-CN" altLang="en-US" sz="1400" dirty="0" smtClean="0"/>
+              <a:t>台，薇儿不肯离开，得知刚才张辉气冲冲来过</a:t>
+            </a:r>
+            <a:endParaRPr lang="zh-CN" altLang="en-US" sz="1400" dirty="0"/>
+          </a:p>
+        </p:txBody>
+      </p:sp>
+      <p:cxnSp>
+        <p:nvCxnSpPr>
+          <p:cNvPr id="38" name="Straight Arrow Connector 37"/>
+          <p:cNvCxnSpPr/>
+          <p:nvPr/>
+        </p:nvCxnSpPr>
+        <p:spPr>
+          <a:xfrm>
+            <a:off x="8678254" y="2973938"/>
+            <a:ext cx="410198" cy="0"/>
+          </a:xfrm>
+          <a:prstGeom prst="straightConnector1">
+            <a:avLst/>
+          </a:prstGeom>
+          <a:ln>
+            <a:tailEnd type="triangle"/>
+          </a:ln>
+        </p:spPr>
+        <p:style>
+          <a:lnRef idx="1">
+            <a:schemeClr val="accent1"/>
+          </a:lnRef>
+          <a:fillRef idx="0">
+            <a:schemeClr val="accent1"/>
+          </a:fillRef>
+          <a:effectRef idx="0">
+            <a:schemeClr val="accent1"/>
+          </a:effectRef>
+          <a:fontRef idx="minor">
+            <a:schemeClr val="tx1"/>
+          </a:fontRef>
+        </p:style>
+      </p:cxnSp>
+      <p:sp>
+        <p:nvSpPr>
+          <p:cNvPr id="39" name="Rounded Rectangle 38"/>
+          <p:cNvSpPr/>
+          <p:nvPr/>
+        </p:nvSpPr>
+        <p:spPr>
+          <a:xfrm>
+            <a:off x="9088452" y="2713291"/>
+            <a:ext cx="1187866" cy="495655"/>
+          </a:xfrm>
+          <a:prstGeom prst="roundRect">
+            <a:avLst/>
+          </a:prstGeom>
+        </p:spPr>
+        <p:style>
+          <a:lnRef idx="2">
+            <a:schemeClr val="accent1">
+              <a:shade val="50000"/>
+            </a:schemeClr>
+          </a:lnRef>
+          <a:fillRef idx="1">
+            <a:schemeClr val="accent1"/>
+          </a:fillRef>
+          <a:effectRef idx="0">
+            <a:schemeClr val="accent1"/>
+          </a:effectRef>
+          <a:fontRef idx="minor">
+            <a:schemeClr val="lt1"/>
+          </a:fontRef>
+        </p:style>
+        <p:txBody>
+          <a:bodyPr rtlCol="0" anchor="ctr"/>
+          <a:lstStyle/>
+          <a:p>
+            <a:pPr algn="ctr"/>
+            <a:r>
+              <a:rPr lang="zh-CN" altLang="en-US" sz="1600" dirty="0"/>
+              <a:t>找</a:t>
+            </a:r>
+            <a:r>
+              <a:rPr lang="zh-CN" altLang="en-US" sz="1600" dirty="0" smtClean="0"/>
+              <a:t>到</a:t>
+            </a:r>
+            <a:r>
+              <a:rPr lang="zh-CN" altLang="en-US" sz="1600" dirty="0" smtClean="0">
+                <a:solidFill>
+                  <a:schemeClr val="tx1"/>
+                </a:solidFill>
+              </a:rPr>
+              <a:t>张辉</a:t>
+            </a:r>
+            <a:endParaRPr lang="zh-CN" altLang="en-US" sz="1600" dirty="0">
+              <a:solidFill>
+                <a:schemeClr val="tx1"/>
+              </a:solidFill>
+            </a:endParaRPr>
+          </a:p>
+        </p:txBody>
+      </p:sp>
+      <p:sp>
+        <p:nvSpPr>
+          <p:cNvPr id="40" name="Rectangle 39"/>
+          <p:cNvSpPr/>
+          <p:nvPr/>
+        </p:nvSpPr>
+        <p:spPr>
+          <a:xfrm>
+            <a:off x="9088452" y="1935623"/>
+            <a:ext cx="1273324" cy="878613"/>
+          </a:xfrm>
+          <a:prstGeom prst="rect">
+            <a:avLst/>
+          </a:prstGeom>
+        </p:spPr>
+        <p:style>
+          <a:lnRef idx="0">
+            <a:schemeClr val="accent6"/>
+          </a:lnRef>
+          <a:fillRef idx="3">
+            <a:schemeClr val="accent6"/>
+          </a:fillRef>
+          <a:effectRef idx="3">
+            <a:schemeClr val="accent6"/>
+          </a:effectRef>
+          <a:fontRef idx="minor">
+            <a:schemeClr val="lt1"/>
+          </a:fontRef>
+        </p:style>
+        <p:txBody>
+          <a:bodyPr rtlCol="0" anchor="ctr"/>
+          <a:lstStyle/>
+          <a:p>
+            <a:pPr algn="ctr"/>
+            <a:r>
+              <a:rPr lang="zh-CN" altLang="en-US" sz="1400" dirty="0" smtClean="0"/>
+              <a:t>替张辉打薇儿，完成任务张辉告诉你</a:t>
+            </a:r>
+            <a:r>
+              <a:rPr lang="zh-CN" altLang="en-US" sz="1400" dirty="0" smtClean="0">
+                <a:solidFill>
+                  <a:schemeClr val="tx1">
+                    <a:lumMod val="75000"/>
+                    <a:lumOff val="25000"/>
+                  </a:schemeClr>
+                </a:solidFill>
+              </a:rPr>
+              <a:t>一个秘密</a:t>
+            </a:r>
+            <a:endParaRPr lang="zh-CN" altLang="en-US" sz="1400" dirty="0">
+              <a:solidFill>
+                <a:schemeClr val="tx1">
+                  <a:lumMod val="75000"/>
+                  <a:lumOff val="25000"/>
+                </a:schemeClr>
+              </a:solidFill>
+            </a:endParaRPr>
+          </a:p>
+        </p:txBody>
+      </p:sp>
+      <p:cxnSp>
+        <p:nvCxnSpPr>
+          <p:cNvPr id="41" name="Straight Arrow Connector 40"/>
+          <p:cNvCxnSpPr/>
+          <p:nvPr/>
+        </p:nvCxnSpPr>
+        <p:spPr>
+          <a:xfrm>
+            <a:off x="10276318" y="2973938"/>
+            <a:ext cx="410198" cy="0"/>
+          </a:xfrm>
+          <a:prstGeom prst="straightConnector1">
+            <a:avLst/>
+          </a:prstGeom>
+          <a:ln>
+            <a:tailEnd type="triangle"/>
+          </a:ln>
+        </p:spPr>
+        <p:style>
+          <a:lnRef idx="1">
+            <a:schemeClr val="accent1"/>
+          </a:lnRef>
+          <a:fillRef idx="0">
+            <a:schemeClr val="accent1"/>
+          </a:fillRef>
+          <a:effectRef idx="0">
+            <a:schemeClr val="accent1"/>
+          </a:effectRef>
+          <a:fontRef idx="minor">
+            <a:schemeClr val="tx1"/>
+          </a:fontRef>
+        </p:style>
+      </p:cxnSp>
+      <p:sp>
+        <p:nvSpPr>
+          <p:cNvPr id="42" name="Rounded Rectangle 41"/>
+          <p:cNvSpPr/>
+          <p:nvPr/>
+        </p:nvSpPr>
+        <p:spPr>
+          <a:xfrm>
+            <a:off x="10695061" y="2713291"/>
+            <a:ext cx="1187866" cy="495655"/>
+          </a:xfrm>
+          <a:prstGeom prst="roundRect">
+            <a:avLst/>
+          </a:prstGeom>
+        </p:spPr>
+        <p:style>
+          <a:lnRef idx="2">
+            <a:schemeClr val="accent1">
+              <a:shade val="50000"/>
+            </a:schemeClr>
+          </a:lnRef>
+          <a:fillRef idx="1">
+            <a:schemeClr val="accent1"/>
+          </a:fillRef>
+          <a:effectRef idx="0">
+            <a:schemeClr val="accent1"/>
+          </a:effectRef>
+          <a:fontRef idx="minor">
+            <a:schemeClr val="lt1"/>
+          </a:fontRef>
+        </p:style>
+        <p:txBody>
+          <a:bodyPr rtlCol="0" anchor="ctr"/>
+          <a:lstStyle/>
+          <a:p>
+            <a:pPr algn="ctr"/>
+            <a:r>
+              <a:rPr lang="zh-CN" altLang="en-US" sz="1600" dirty="0"/>
+              <a:t>找</a:t>
+            </a:r>
+            <a:r>
+              <a:rPr lang="zh-CN" altLang="en-US" sz="1600" dirty="0" smtClean="0"/>
+              <a:t>到</a:t>
+            </a:r>
+            <a:r>
+              <a:rPr lang="zh-CN" altLang="en-US" sz="1600" dirty="0" smtClean="0">
+                <a:solidFill>
+                  <a:schemeClr val="tx1"/>
+                </a:solidFill>
+              </a:rPr>
+              <a:t>薇儿</a:t>
+            </a:r>
+            <a:endParaRPr lang="zh-CN" altLang="en-US" sz="1600" dirty="0">
+              <a:solidFill>
+                <a:schemeClr val="tx1"/>
+              </a:solidFill>
+            </a:endParaRPr>
+          </a:p>
+        </p:txBody>
+      </p:sp>
+      <p:sp>
+        <p:nvSpPr>
+          <p:cNvPr id="43" name="Rectangle 42"/>
+          <p:cNvSpPr/>
+          <p:nvPr/>
+        </p:nvSpPr>
+        <p:spPr>
+          <a:xfrm>
+            <a:off x="10695061" y="2162086"/>
+            <a:ext cx="1273324" cy="652150"/>
+          </a:xfrm>
+          <a:prstGeom prst="rect">
+            <a:avLst/>
+          </a:prstGeom>
+        </p:spPr>
+        <p:style>
+          <a:lnRef idx="0">
+            <a:schemeClr val="accent6"/>
+          </a:lnRef>
+          <a:fillRef idx="3">
+            <a:schemeClr val="accent6"/>
+          </a:fillRef>
+          <a:effectRef idx="3">
+            <a:schemeClr val="accent6"/>
+          </a:effectRef>
+          <a:fontRef idx="minor">
+            <a:schemeClr val="lt1"/>
+          </a:fontRef>
+        </p:style>
+        <p:txBody>
+          <a:bodyPr rtlCol="0" anchor="ctr"/>
+          <a:lstStyle/>
+          <a:p>
+            <a:pPr algn="ctr"/>
+            <a:r>
+              <a:rPr lang="zh-CN" altLang="en-US" sz="1400" dirty="0" smtClean="0"/>
+              <a:t>打晕薇儿，假扮主播，骗</a:t>
+            </a:r>
+            <a:r>
+              <a:rPr lang="en-US" altLang="zh-CN" sz="1400" dirty="0" smtClean="0"/>
+              <a:t>b</a:t>
+            </a:r>
+            <a:r>
+              <a:rPr lang="zh-CN" altLang="en-US" sz="1400" dirty="0" smtClean="0"/>
+              <a:t>哥钱</a:t>
+            </a:r>
+            <a:endParaRPr lang="zh-CN" altLang="en-US" sz="1400" dirty="0"/>
+          </a:p>
+        </p:txBody>
+      </p:sp>
+      <p:cxnSp>
+        <p:nvCxnSpPr>
+          <p:cNvPr id="45" name="Straight Arrow Connector 44"/>
+          <p:cNvCxnSpPr>
+            <a:stCxn id="42" idx="2"/>
+          </p:cNvCxnSpPr>
+          <p:nvPr/>
+        </p:nvCxnSpPr>
+        <p:spPr>
+          <a:xfrm flipH="1">
+            <a:off x="9511469" y="3208946"/>
+            <a:ext cx="1777525" cy="1337417"/>
+          </a:xfrm>
+          <a:prstGeom prst="straightConnector1">
+            <a:avLst/>
+          </a:prstGeom>
+          <a:ln>
+            <a:tailEnd type="triangle"/>
+          </a:ln>
+        </p:spPr>
+        <p:style>
+          <a:lnRef idx="1">
+            <a:schemeClr val="accent1"/>
+          </a:lnRef>
+          <a:fillRef idx="0">
+            <a:schemeClr val="accent1"/>
+          </a:fillRef>
+          <a:effectRef idx="0">
+            <a:schemeClr val="accent1"/>
+          </a:effectRef>
+          <a:fontRef idx="minor">
+            <a:schemeClr val="tx1"/>
+          </a:fontRef>
+        </p:style>
+      </p:cxnSp>
+      <p:cxnSp>
+        <p:nvCxnSpPr>
+          <p:cNvPr id="47" name="Straight Arrow Connector 46"/>
+          <p:cNvCxnSpPr>
+            <a:stCxn id="42" idx="2"/>
+          </p:cNvCxnSpPr>
+          <p:nvPr/>
+        </p:nvCxnSpPr>
+        <p:spPr>
+          <a:xfrm>
+            <a:off x="11288994" y="3208946"/>
+            <a:ext cx="0" cy="1337417"/>
+          </a:xfrm>
+          <a:prstGeom prst="straightConnector1">
+            <a:avLst/>
+          </a:prstGeom>
+          <a:ln>
+            <a:tailEnd type="triangle"/>
+          </a:ln>
+        </p:spPr>
+        <p:style>
+          <a:lnRef idx="1">
+            <a:schemeClr val="accent1"/>
+          </a:lnRef>
+          <a:fillRef idx="0">
+            <a:schemeClr val="accent1"/>
+          </a:fillRef>
+          <a:effectRef idx="0">
+            <a:schemeClr val="accent1"/>
+          </a:effectRef>
+          <a:fontRef idx="minor">
+            <a:schemeClr val="tx1"/>
+          </a:fontRef>
+        </p:style>
+      </p:cxnSp>
+      <p:sp>
+        <p:nvSpPr>
+          <p:cNvPr id="48" name="Rounded Rectangle 47"/>
+          <p:cNvSpPr/>
+          <p:nvPr/>
+        </p:nvSpPr>
+        <p:spPr>
+          <a:xfrm>
+            <a:off x="10695061" y="4519756"/>
+            <a:ext cx="1187866" cy="495655"/>
+          </a:xfrm>
+          <a:prstGeom prst="roundRect">
+            <a:avLst/>
+          </a:prstGeom>
+        </p:spPr>
+        <p:style>
+          <a:lnRef idx="2">
+            <a:schemeClr val="accent1">
+              <a:shade val="50000"/>
+            </a:schemeClr>
+          </a:lnRef>
+          <a:fillRef idx="1">
+            <a:schemeClr val="accent1"/>
+          </a:fillRef>
+          <a:effectRef idx="0">
+            <a:schemeClr val="accent1"/>
+          </a:effectRef>
+          <a:fontRef idx="minor">
+            <a:schemeClr val="lt1"/>
+          </a:fontRef>
+        </p:style>
+        <p:txBody>
+          <a:bodyPr rtlCol="0" anchor="ctr"/>
+          <a:lstStyle/>
+          <a:p>
+            <a:pPr algn="ctr"/>
+            <a:r>
+              <a:rPr lang="zh-CN" altLang="en-US" sz="1600" dirty="0" smtClean="0">
+                <a:solidFill>
+                  <a:schemeClr val="tx1"/>
+                </a:solidFill>
+              </a:rPr>
+              <a:t>结束</a:t>
+            </a:r>
+            <a:endParaRPr lang="zh-CN" altLang="en-US" sz="1600" dirty="0">
+              <a:solidFill>
+                <a:schemeClr val="tx1"/>
+              </a:solidFill>
+            </a:endParaRPr>
+          </a:p>
+        </p:txBody>
+      </p:sp>
+      <p:sp>
+        <p:nvSpPr>
+          <p:cNvPr id="49" name="Rounded Rectangle 48"/>
+          <p:cNvSpPr/>
+          <p:nvPr/>
+        </p:nvSpPr>
+        <p:spPr>
+          <a:xfrm>
+            <a:off x="8814209" y="4519756"/>
+            <a:ext cx="1187866" cy="495655"/>
+          </a:xfrm>
+          <a:prstGeom prst="roundRect">
+            <a:avLst/>
+          </a:prstGeom>
+        </p:spPr>
+        <p:style>
+          <a:lnRef idx="2">
+            <a:schemeClr val="accent1">
+              <a:shade val="50000"/>
+            </a:schemeClr>
+          </a:lnRef>
+          <a:fillRef idx="1">
+            <a:schemeClr val="accent1"/>
+          </a:fillRef>
+          <a:effectRef idx="0">
+            <a:schemeClr val="accent1"/>
+          </a:effectRef>
+          <a:fontRef idx="minor">
+            <a:schemeClr val="lt1"/>
+          </a:fontRef>
+        </p:style>
+        <p:txBody>
+          <a:bodyPr rtlCol="0" anchor="ctr"/>
+          <a:lstStyle/>
+          <a:p>
+            <a:pPr algn="ctr"/>
+            <a:r>
+              <a:rPr lang="zh-CN" altLang="en-US" sz="1600" dirty="0"/>
+              <a:t>找</a:t>
+            </a:r>
+            <a:r>
+              <a:rPr lang="zh-CN" altLang="en-US" sz="1600" dirty="0" smtClean="0"/>
+              <a:t>到</a:t>
+            </a:r>
+            <a:r>
+              <a:rPr lang="zh-CN" altLang="en-US" sz="1600" dirty="0" smtClean="0">
+                <a:solidFill>
+                  <a:schemeClr val="tx1"/>
+                </a:solidFill>
+              </a:rPr>
+              <a:t>张辉</a:t>
+            </a:r>
+            <a:endParaRPr lang="zh-CN" altLang="en-US" sz="1600" dirty="0">
+              <a:solidFill>
+                <a:schemeClr val="tx1"/>
+              </a:solidFill>
+            </a:endParaRPr>
+          </a:p>
+        </p:txBody>
+      </p:sp>
+      <p:sp>
+        <p:nvSpPr>
+          <p:cNvPr id="50" name="Rectangle 49"/>
+          <p:cNvSpPr/>
+          <p:nvPr/>
+        </p:nvSpPr>
+        <p:spPr>
+          <a:xfrm>
+            <a:off x="8763712" y="4941073"/>
+            <a:ext cx="1273324" cy="588056"/>
+          </a:xfrm>
+          <a:prstGeom prst="rect">
+            <a:avLst/>
+          </a:prstGeom>
+        </p:spPr>
+        <p:style>
+          <a:lnRef idx="0">
+            <a:schemeClr val="accent6"/>
+          </a:lnRef>
+          <a:fillRef idx="3">
+            <a:schemeClr val="accent6"/>
+          </a:fillRef>
+          <a:effectRef idx="3">
+            <a:schemeClr val="accent6"/>
+          </a:effectRef>
+          <a:fontRef idx="minor">
+            <a:schemeClr val="lt1"/>
+          </a:fontRef>
+        </p:style>
+        <p:txBody>
+          <a:bodyPr rtlCol="0" anchor="ctr"/>
+          <a:lstStyle/>
+          <a:p>
+            <a:pPr algn="ctr"/>
+            <a:r>
+              <a:rPr lang="zh-CN" altLang="en-US" sz="1400" dirty="0" smtClean="0"/>
+              <a:t>得到关于暗线的线索</a:t>
+            </a:r>
+            <a:endParaRPr lang="zh-CN" altLang="en-US" sz="1400" dirty="0"/>
+          </a:p>
+        </p:txBody>
+      </p:sp>
+      <p:cxnSp>
+        <p:nvCxnSpPr>
+          <p:cNvPr id="52" name="Straight Arrow Connector 51"/>
+          <p:cNvCxnSpPr>
+            <a:stCxn id="50" idx="2"/>
+          </p:cNvCxnSpPr>
+          <p:nvPr/>
+        </p:nvCxnSpPr>
+        <p:spPr>
+          <a:xfrm>
+            <a:off x="9400374" y="5529129"/>
+            <a:ext cx="0" cy="461473"/>
+          </a:xfrm>
+          <a:prstGeom prst="straightConnector1">
+            <a:avLst/>
+          </a:prstGeom>
+          <a:ln>
+            <a:tailEnd type="triangle"/>
+          </a:ln>
+        </p:spPr>
+        <p:style>
+          <a:lnRef idx="1">
+            <a:schemeClr val="accent1"/>
+          </a:lnRef>
+          <a:fillRef idx="0">
+            <a:schemeClr val="accent1"/>
+          </a:fillRef>
+          <a:effectRef idx="0">
+            <a:schemeClr val="accent1"/>
+          </a:effectRef>
+          <a:fontRef idx="minor">
+            <a:schemeClr val="tx1"/>
+          </a:fontRef>
+        </p:style>
+      </p:cxnSp>
+      <p:sp>
+        <p:nvSpPr>
+          <p:cNvPr id="53" name="Rounded Rectangle 52"/>
+          <p:cNvSpPr/>
+          <p:nvPr/>
+        </p:nvSpPr>
+        <p:spPr>
+          <a:xfrm>
+            <a:off x="8849170" y="5978655"/>
+            <a:ext cx="1187866" cy="495655"/>
+          </a:xfrm>
+          <a:prstGeom prst="roundRect">
+            <a:avLst/>
+          </a:prstGeom>
+        </p:spPr>
+        <p:style>
+          <a:lnRef idx="2">
+            <a:schemeClr val="accent1">
+              <a:shade val="50000"/>
+            </a:schemeClr>
+          </a:lnRef>
+          <a:fillRef idx="1">
+            <a:schemeClr val="accent1"/>
+          </a:fillRef>
+          <a:effectRef idx="0">
+            <a:schemeClr val="accent1"/>
+          </a:effectRef>
+          <a:fontRef idx="minor">
+            <a:schemeClr val="lt1"/>
+          </a:fontRef>
+        </p:style>
+        <p:txBody>
+          <a:bodyPr rtlCol="0" anchor="ctr"/>
+          <a:lstStyle/>
+          <a:p>
+            <a:pPr algn="ctr"/>
+            <a:r>
+              <a:rPr lang="zh-CN" altLang="en-US" sz="1600" dirty="0" smtClean="0">
+                <a:solidFill>
+                  <a:schemeClr val="tx1"/>
+                </a:solidFill>
+              </a:rPr>
+              <a:t>结束</a:t>
+            </a:r>
+            <a:endParaRPr lang="zh-CN" altLang="en-US" sz="1600" dirty="0">
+              <a:solidFill>
+                <a:schemeClr val="tx1"/>
+              </a:solidFill>
+            </a:endParaRPr>
+          </a:p>
+        </p:txBody>
+      </p:sp>
+    </p:spTree>
+    <p:extLst>
+      <p:ext uri="{BB962C8B-B14F-4D97-AF65-F5344CB8AC3E}">
+        <p14:creationId xmlns:p14="http://schemas.microsoft.com/office/powerpoint/2010/main" val="1478344837"/>
+      </p:ext>
+    </p:extLst>
+  </p:cSld>
+  <p:clrMapOvr>
+    <a:masterClrMapping/>
+  </p:clrMapOvr>
+  <p:timing>
+    <p:tnLst>
+      <p:par>
+        <p:cTn id="1" dur="indefinite" restart="never" nodeType="tmRoot"/>
+      </p:par>
+    </p:tnLst>
+  </p:timing>
+</p:sld>
+</file>
+
+<file path=ppt/slides/slide5.xml><?xml version="1.0" encoding="utf-8"?>
 <p:sld xmlns:a="http://schemas.openxmlformats.org/drawingml/2006/main" xmlns:r="http://schemas.openxmlformats.org/officeDocument/2006/relationships" xmlns:p="http://schemas.openxmlformats.org/presentationml/2006/main">
   <p:cSld>
     <p:spTree>
@@ -6051,1658 +7620,6 @@
     <p:extLst>
       <p:ext uri="{BB962C8B-B14F-4D97-AF65-F5344CB8AC3E}">
         <p14:creationId xmlns:p14="http://schemas.microsoft.com/office/powerpoint/2010/main" val="2630472813"/>
-      </p:ext>
-    </p:extLst>
-  </p:cSld>
-  <p:clrMapOvr>
-    <a:masterClrMapping/>
-  </p:clrMapOvr>
-  <p:timing>
-    <p:tnLst>
-      <p:par>
-        <p:cTn id="1" dur="indefinite" restart="never" nodeType="tmRoot"/>
-      </p:par>
-    </p:tnLst>
-  </p:timing>
-</p:sld>
-</file>
-
-<file path=ppt/slides/slide5.xml><?xml version="1.0" encoding="utf-8"?>
-<p:sld xmlns:a="http://schemas.openxmlformats.org/drawingml/2006/main" xmlns:r="http://schemas.openxmlformats.org/officeDocument/2006/relationships" xmlns:p="http://schemas.openxmlformats.org/presentationml/2006/main">
-  <p:cSld>
-    <p:spTree>
-      <p:nvGrpSpPr>
-        <p:cNvPr id="1" name=""/>
-        <p:cNvGrpSpPr/>
-        <p:nvPr/>
-      </p:nvGrpSpPr>
-      <p:grpSpPr>
-        <a:xfrm>
-          <a:off x="0" y="0"/>
-          <a:ext cx="0" cy="0"/>
-          <a:chOff x="0" y="0"/>
-          <a:chExt cx="0" cy="0"/>
-        </a:xfrm>
-      </p:grpSpPr>
-      <p:sp>
-        <p:nvSpPr>
-          <p:cNvPr id="6" name="矩形 5"/>
-          <p:cNvSpPr/>
-          <p:nvPr/>
-        </p:nvSpPr>
-        <p:spPr>
-          <a:xfrm>
-            <a:off x="0" y="333375"/>
-            <a:ext cx="12192000" cy="900430"/>
-          </a:xfrm>
-          <a:prstGeom prst="rect">
-            <a:avLst/>
-          </a:prstGeom>
-          <a:solidFill>
-            <a:srgbClr val="00AE66"/>
-          </a:solidFill>
-          <a:ln>
-            <a:noFill/>
-          </a:ln>
-        </p:spPr>
-        <p:style>
-          <a:lnRef idx="2">
-            <a:schemeClr val="accent1">
-              <a:shade val="50000"/>
-            </a:schemeClr>
-          </a:lnRef>
-          <a:fillRef idx="1">
-            <a:schemeClr val="accent1"/>
-          </a:fillRef>
-          <a:effectRef idx="0">
-            <a:schemeClr val="accent1"/>
-          </a:effectRef>
-          <a:fontRef idx="minor">
-            <a:schemeClr val="lt1"/>
-          </a:fontRef>
-        </p:style>
-        <p:txBody>
-          <a:bodyPr rtlCol="0" anchor="ctr"/>
-          <a:lstStyle/>
-          <a:p>
-            <a:pPr algn="ctr"/>
-            <a:endParaRPr lang="zh-CN" altLang="en-US"/>
-          </a:p>
-        </p:txBody>
-      </p:sp>
-      <p:sp>
-        <p:nvSpPr>
-          <p:cNvPr id="9" name="页脚占位符 8"/>
-          <p:cNvSpPr>
-            <a:spLocks noGrp="1"/>
-          </p:cNvSpPr>
-          <p:nvPr>
-            <p:ph type="ftr" sz="quarter" idx="11"/>
-          </p:nvPr>
-        </p:nvSpPr>
-        <p:spPr>
-          <a:xfrm>
-            <a:off x="10880090" y="6596380"/>
-            <a:ext cx="1311910" cy="245110"/>
-          </a:xfrm>
-        </p:spPr>
-        <p:txBody>
-          <a:bodyPr/>
-          <a:lstStyle/>
-          <a:p>
-            <a:r>
-              <a:rPr lang="zh-CN" altLang="en-US"/>
-              <a:t>三人开发小组</a:t>
-            </a:r>
-          </a:p>
-        </p:txBody>
-      </p:sp>
-      <p:sp>
-        <p:nvSpPr>
-          <p:cNvPr id="7" name="文本框 3"/>
-          <p:cNvSpPr txBox="1"/>
-          <p:nvPr/>
-        </p:nvSpPr>
-        <p:spPr>
-          <a:xfrm>
-            <a:off x="722630" y="433070"/>
-            <a:ext cx="4298315" cy="701040"/>
-          </a:xfrm>
-          <a:prstGeom prst="rect">
-            <a:avLst/>
-          </a:prstGeom>
-          <a:noFill/>
-        </p:spPr>
-        <p:txBody>
-          <a:bodyPr wrap="square" rtlCol="0">
-            <a:spAutoFit/>
-          </a:bodyPr>
-          <a:lstStyle/>
-          <a:p>
-            <a:r>
-              <a:rPr lang="zh-CN" altLang="en-US" sz="4000" dirty="0" smtClean="0">
-                <a:solidFill>
-                  <a:schemeClr val="bg1"/>
-                </a:solidFill>
-              </a:rPr>
-              <a:t>关卡详细流程</a:t>
-            </a:r>
-            <a:endParaRPr lang="zh-CN" altLang="zh-CN" sz="4000" dirty="0">
-              <a:solidFill>
-                <a:schemeClr val="bg1"/>
-              </a:solidFill>
-            </a:endParaRPr>
-          </a:p>
-        </p:txBody>
-      </p:sp>
-      <p:sp>
-        <p:nvSpPr>
-          <p:cNvPr id="8" name="Rounded Rectangle 7"/>
-          <p:cNvSpPr/>
-          <p:nvPr/>
-        </p:nvSpPr>
-        <p:spPr>
-          <a:xfrm>
-            <a:off x="213644" y="2939754"/>
-            <a:ext cx="1187866" cy="495655"/>
-          </a:xfrm>
-          <a:prstGeom prst="roundRect">
-            <a:avLst/>
-          </a:prstGeom>
-        </p:spPr>
-        <p:style>
-          <a:lnRef idx="2">
-            <a:schemeClr val="accent1">
-              <a:shade val="50000"/>
-            </a:schemeClr>
-          </a:lnRef>
-          <a:fillRef idx="1">
-            <a:schemeClr val="accent1"/>
-          </a:fillRef>
-          <a:effectRef idx="0">
-            <a:schemeClr val="accent1"/>
-          </a:effectRef>
-          <a:fontRef idx="minor">
-            <a:schemeClr val="lt1"/>
-          </a:fontRef>
-        </p:style>
-        <p:txBody>
-          <a:bodyPr rtlCol="0" anchor="ctr"/>
-          <a:lstStyle/>
-          <a:p>
-            <a:pPr algn="ctr"/>
-            <a:r>
-              <a:rPr lang="zh-CN" altLang="en-US" sz="1600" dirty="0" smtClean="0"/>
-              <a:t>玩家出门</a:t>
-            </a:r>
-            <a:endParaRPr lang="zh-CN" altLang="en-US" sz="1600" dirty="0"/>
-          </a:p>
-        </p:txBody>
-      </p:sp>
-      <p:sp>
-        <p:nvSpPr>
-          <p:cNvPr id="10" name="Rounded Rectangle 9"/>
-          <p:cNvSpPr/>
-          <p:nvPr/>
-        </p:nvSpPr>
-        <p:spPr>
-          <a:xfrm>
-            <a:off x="1811708" y="2939754"/>
-            <a:ext cx="1187866" cy="495655"/>
-          </a:xfrm>
-          <a:prstGeom prst="roundRect">
-            <a:avLst/>
-          </a:prstGeom>
-        </p:spPr>
-        <p:style>
-          <a:lnRef idx="2">
-            <a:schemeClr val="accent1">
-              <a:shade val="50000"/>
-            </a:schemeClr>
-          </a:lnRef>
-          <a:fillRef idx="1">
-            <a:schemeClr val="accent1"/>
-          </a:fillRef>
-          <a:effectRef idx="0">
-            <a:schemeClr val="accent1"/>
-          </a:effectRef>
-          <a:fontRef idx="minor">
-            <a:schemeClr val="lt1"/>
-          </a:fontRef>
-        </p:style>
-        <p:txBody>
-          <a:bodyPr rtlCol="0" anchor="ctr"/>
-          <a:lstStyle/>
-          <a:p>
-            <a:pPr algn="ctr"/>
-            <a:r>
-              <a:rPr lang="zh-CN" altLang="en-US" sz="1600" dirty="0"/>
-              <a:t>找</a:t>
-            </a:r>
-            <a:r>
-              <a:rPr lang="zh-CN" altLang="en-US" sz="1600" dirty="0" smtClean="0"/>
-              <a:t>到</a:t>
-            </a:r>
-            <a:r>
-              <a:rPr lang="en-US" altLang="zh-CN" sz="1600" dirty="0" smtClean="0">
-                <a:solidFill>
-                  <a:schemeClr val="tx1"/>
-                </a:solidFill>
-              </a:rPr>
-              <a:t>b</a:t>
-            </a:r>
-            <a:r>
-              <a:rPr lang="zh-CN" altLang="en-US" sz="1600" dirty="0" smtClean="0">
-                <a:solidFill>
-                  <a:schemeClr val="tx1"/>
-                </a:solidFill>
-              </a:rPr>
-              <a:t>哥</a:t>
-            </a:r>
-            <a:endParaRPr lang="zh-CN" altLang="en-US" sz="1600" dirty="0">
-              <a:solidFill>
-                <a:schemeClr val="tx1"/>
-              </a:solidFill>
-            </a:endParaRPr>
-          </a:p>
-        </p:txBody>
-      </p:sp>
-      <p:cxnSp>
-        <p:nvCxnSpPr>
-          <p:cNvPr id="5" name="Straight Arrow Connector 4"/>
-          <p:cNvCxnSpPr>
-            <a:stCxn id="8" idx="3"/>
-            <a:endCxn id="10" idx="1"/>
-          </p:cNvCxnSpPr>
-          <p:nvPr/>
-        </p:nvCxnSpPr>
-        <p:spPr>
-          <a:xfrm>
-            <a:off x="1401510" y="3187582"/>
-            <a:ext cx="410198" cy="0"/>
-          </a:xfrm>
-          <a:prstGeom prst="straightConnector1">
-            <a:avLst/>
-          </a:prstGeom>
-          <a:ln>
-            <a:tailEnd type="triangle"/>
-          </a:ln>
-        </p:spPr>
-        <p:style>
-          <a:lnRef idx="1">
-            <a:schemeClr val="accent1"/>
-          </a:lnRef>
-          <a:fillRef idx="0">
-            <a:schemeClr val="accent1"/>
-          </a:fillRef>
-          <a:effectRef idx="0">
-            <a:schemeClr val="accent1"/>
-          </a:effectRef>
-          <a:fontRef idx="minor">
-            <a:schemeClr val="tx1"/>
-          </a:fontRef>
-        </p:style>
-      </p:cxnSp>
-      <p:cxnSp>
-        <p:nvCxnSpPr>
-          <p:cNvPr id="11" name="Straight Arrow Connector 10"/>
-          <p:cNvCxnSpPr/>
-          <p:nvPr/>
-        </p:nvCxnSpPr>
-        <p:spPr>
-          <a:xfrm>
-            <a:off x="2999574" y="3187582"/>
-            <a:ext cx="410198" cy="0"/>
-          </a:xfrm>
-          <a:prstGeom prst="straightConnector1">
-            <a:avLst/>
-          </a:prstGeom>
-          <a:ln>
-            <a:tailEnd type="triangle"/>
-          </a:ln>
-        </p:spPr>
-        <p:style>
-          <a:lnRef idx="1">
-            <a:schemeClr val="accent1"/>
-          </a:lnRef>
-          <a:fillRef idx="0">
-            <a:schemeClr val="accent1"/>
-          </a:fillRef>
-          <a:effectRef idx="0">
-            <a:schemeClr val="accent1"/>
-          </a:effectRef>
-          <a:fontRef idx="minor">
-            <a:schemeClr val="tx1"/>
-          </a:fontRef>
-        </p:style>
-      </p:cxnSp>
-      <p:sp>
-        <p:nvSpPr>
-          <p:cNvPr id="13" name="Rounded Rectangle 12"/>
-          <p:cNvSpPr/>
-          <p:nvPr/>
-        </p:nvSpPr>
-        <p:spPr>
-          <a:xfrm>
-            <a:off x="3409772" y="2939754"/>
-            <a:ext cx="1187866" cy="495655"/>
-          </a:xfrm>
-          <a:prstGeom prst="roundRect">
-            <a:avLst/>
-          </a:prstGeom>
-        </p:spPr>
-        <p:style>
-          <a:lnRef idx="2">
-            <a:schemeClr val="accent1">
-              <a:shade val="50000"/>
-            </a:schemeClr>
-          </a:lnRef>
-          <a:fillRef idx="1">
-            <a:schemeClr val="accent1"/>
-          </a:fillRef>
-          <a:effectRef idx="0">
-            <a:schemeClr val="accent1"/>
-          </a:effectRef>
-          <a:fontRef idx="minor">
-            <a:schemeClr val="lt1"/>
-          </a:fontRef>
-        </p:style>
-        <p:txBody>
-          <a:bodyPr rtlCol="0" anchor="ctr"/>
-          <a:lstStyle/>
-          <a:p>
-            <a:pPr algn="ctr"/>
-            <a:r>
-              <a:rPr lang="zh-CN" altLang="en-US" sz="1600" dirty="0"/>
-              <a:t>找</a:t>
-            </a:r>
-            <a:r>
-              <a:rPr lang="zh-CN" altLang="en-US" sz="1600" dirty="0" smtClean="0"/>
-              <a:t>到</a:t>
-            </a:r>
-            <a:r>
-              <a:rPr lang="zh-CN" altLang="en-US" sz="1600" dirty="0" smtClean="0">
-                <a:solidFill>
-                  <a:schemeClr val="tx1"/>
-                </a:solidFill>
-              </a:rPr>
-              <a:t>薇儿</a:t>
-            </a:r>
-            <a:endParaRPr lang="zh-CN" altLang="en-US" sz="1600" dirty="0">
-              <a:solidFill>
-                <a:schemeClr val="tx1"/>
-              </a:solidFill>
-            </a:endParaRPr>
-          </a:p>
-        </p:txBody>
-      </p:sp>
-      <p:sp>
-        <p:nvSpPr>
-          <p:cNvPr id="16" name="Rectangle 15"/>
-          <p:cNvSpPr/>
-          <p:nvPr/>
-        </p:nvSpPr>
-        <p:spPr>
-          <a:xfrm>
-            <a:off x="1811708" y="1982625"/>
-            <a:ext cx="1273324" cy="948583"/>
-          </a:xfrm>
-          <a:prstGeom prst="rect">
-            <a:avLst/>
-          </a:prstGeom>
-        </p:spPr>
-        <p:style>
-          <a:lnRef idx="0">
-            <a:schemeClr val="accent6"/>
-          </a:lnRef>
-          <a:fillRef idx="3">
-            <a:schemeClr val="accent6"/>
-          </a:fillRef>
-          <a:effectRef idx="3">
-            <a:schemeClr val="accent6"/>
-          </a:effectRef>
-          <a:fontRef idx="minor">
-            <a:schemeClr val="lt1"/>
-          </a:fontRef>
-        </p:style>
-        <p:txBody>
-          <a:bodyPr rtlCol="0" anchor="ctr"/>
-          <a:lstStyle/>
-          <a:p>
-            <a:pPr algn="ctr"/>
-            <a:r>
-              <a:rPr lang="en-US" altLang="zh-CN" sz="1400" dirty="0" smtClean="0"/>
-              <a:t>b</a:t>
-            </a:r>
-            <a:r>
-              <a:rPr lang="zh-CN" altLang="en-US" sz="1400" dirty="0" smtClean="0"/>
-              <a:t>哥有钱不还，钱全被用来打赏女主播（薇儿）</a:t>
-            </a:r>
-            <a:endParaRPr lang="zh-CN" altLang="en-US" sz="1400" dirty="0"/>
-          </a:p>
-        </p:txBody>
-      </p:sp>
-      <p:sp>
-        <p:nvSpPr>
-          <p:cNvPr id="18" name="Rectangle 17"/>
-          <p:cNvSpPr/>
-          <p:nvPr/>
-        </p:nvSpPr>
-        <p:spPr>
-          <a:xfrm>
-            <a:off x="3405498" y="2334607"/>
-            <a:ext cx="1273324" cy="605147"/>
-          </a:xfrm>
-          <a:prstGeom prst="rect">
-            <a:avLst/>
-          </a:prstGeom>
-        </p:spPr>
-        <p:style>
-          <a:lnRef idx="0">
-            <a:schemeClr val="accent6"/>
-          </a:lnRef>
-          <a:fillRef idx="3">
-            <a:schemeClr val="accent6"/>
-          </a:fillRef>
-          <a:effectRef idx="3">
-            <a:schemeClr val="accent6"/>
-          </a:effectRef>
-          <a:fontRef idx="minor">
-            <a:schemeClr val="lt1"/>
-          </a:fontRef>
-        </p:style>
-        <p:txBody>
-          <a:bodyPr rtlCol="0" anchor="ctr"/>
-          <a:lstStyle/>
-          <a:p>
-            <a:pPr algn="ctr"/>
-            <a:r>
-              <a:rPr lang="zh-CN" altLang="en-US" sz="1400" dirty="0" smtClean="0"/>
-              <a:t>找到三件套才能假扮女主播</a:t>
-            </a:r>
-            <a:endParaRPr lang="zh-CN" altLang="en-US" sz="1400" dirty="0"/>
-          </a:p>
-        </p:txBody>
-      </p:sp>
-      <p:cxnSp>
-        <p:nvCxnSpPr>
-          <p:cNvPr id="19" name="Straight Arrow Connector 18"/>
-          <p:cNvCxnSpPr/>
-          <p:nvPr/>
-        </p:nvCxnSpPr>
-        <p:spPr>
-          <a:xfrm flipV="1">
-            <a:off x="4563455" y="2162086"/>
-            <a:ext cx="1162227" cy="1025496"/>
-          </a:xfrm>
-          <a:prstGeom prst="straightConnector1">
-            <a:avLst/>
-          </a:prstGeom>
-          <a:ln>
-            <a:tailEnd type="triangle"/>
-          </a:ln>
-        </p:spPr>
-        <p:style>
-          <a:lnRef idx="1">
-            <a:schemeClr val="accent1"/>
-          </a:lnRef>
-          <a:fillRef idx="0">
-            <a:schemeClr val="accent1"/>
-          </a:fillRef>
-          <a:effectRef idx="0">
-            <a:schemeClr val="accent1"/>
-          </a:effectRef>
-          <a:fontRef idx="minor">
-            <a:schemeClr val="tx1"/>
-          </a:fontRef>
-        </p:style>
-      </p:cxnSp>
-      <p:cxnSp>
-        <p:nvCxnSpPr>
-          <p:cNvPr id="21" name="Straight Arrow Connector 20"/>
-          <p:cNvCxnSpPr/>
-          <p:nvPr/>
-        </p:nvCxnSpPr>
-        <p:spPr>
-          <a:xfrm>
-            <a:off x="4529272" y="3187582"/>
-            <a:ext cx="1196410" cy="0"/>
-          </a:xfrm>
-          <a:prstGeom prst="straightConnector1">
-            <a:avLst/>
-          </a:prstGeom>
-          <a:ln>
-            <a:tailEnd type="triangle"/>
-          </a:ln>
-        </p:spPr>
-        <p:style>
-          <a:lnRef idx="1">
-            <a:schemeClr val="accent1"/>
-          </a:lnRef>
-          <a:fillRef idx="0">
-            <a:schemeClr val="accent1"/>
-          </a:fillRef>
-          <a:effectRef idx="0">
-            <a:schemeClr val="accent1"/>
-          </a:effectRef>
-          <a:fontRef idx="minor">
-            <a:schemeClr val="tx1"/>
-          </a:fontRef>
-        </p:style>
-      </p:cxnSp>
-      <p:cxnSp>
-        <p:nvCxnSpPr>
-          <p:cNvPr id="24" name="Straight Arrow Connector 23"/>
-          <p:cNvCxnSpPr>
-            <a:stCxn id="13" idx="3"/>
-            <a:endCxn id="29" idx="1"/>
-          </p:cNvCxnSpPr>
-          <p:nvPr/>
-        </p:nvCxnSpPr>
-        <p:spPr>
-          <a:xfrm>
-            <a:off x="4597638" y="3187582"/>
-            <a:ext cx="1128044" cy="1025496"/>
-          </a:xfrm>
-          <a:prstGeom prst="straightConnector1">
-            <a:avLst/>
-          </a:prstGeom>
-          <a:ln>
-            <a:tailEnd type="triangle"/>
-          </a:ln>
-        </p:spPr>
-        <p:style>
-          <a:lnRef idx="1">
-            <a:schemeClr val="accent1"/>
-          </a:lnRef>
-          <a:fillRef idx="0">
-            <a:schemeClr val="accent1"/>
-          </a:fillRef>
-          <a:effectRef idx="0">
-            <a:schemeClr val="accent1"/>
-          </a:effectRef>
-          <a:fontRef idx="minor">
-            <a:schemeClr val="tx1"/>
-          </a:fontRef>
-        </p:style>
-      </p:cxnSp>
-      <p:sp>
-        <p:nvSpPr>
-          <p:cNvPr id="27" name="Rounded Rectangle 26"/>
-          <p:cNvSpPr/>
-          <p:nvPr/>
-        </p:nvSpPr>
-        <p:spPr>
-          <a:xfrm>
-            <a:off x="5725682" y="2939754"/>
-            <a:ext cx="1187866" cy="495655"/>
-          </a:xfrm>
-          <a:prstGeom prst="roundRect">
-            <a:avLst/>
-          </a:prstGeom>
-        </p:spPr>
-        <p:style>
-          <a:lnRef idx="2">
-            <a:schemeClr val="accent1">
-              <a:shade val="50000"/>
-            </a:schemeClr>
-          </a:lnRef>
-          <a:fillRef idx="1">
-            <a:schemeClr val="accent1"/>
-          </a:fillRef>
-          <a:effectRef idx="0">
-            <a:schemeClr val="accent1"/>
-          </a:effectRef>
-          <a:fontRef idx="minor">
-            <a:schemeClr val="lt1"/>
-          </a:fontRef>
-        </p:style>
-        <p:txBody>
-          <a:bodyPr rtlCol="0" anchor="ctr"/>
-          <a:lstStyle/>
-          <a:p>
-            <a:pPr algn="ctr"/>
-            <a:r>
-              <a:rPr lang="zh-CN" altLang="en-US" sz="1600" dirty="0"/>
-              <a:t>找</a:t>
-            </a:r>
-            <a:r>
-              <a:rPr lang="zh-CN" altLang="en-US" sz="1600" dirty="0" smtClean="0"/>
-              <a:t>到</a:t>
-            </a:r>
-            <a:r>
-              <a:rPr lang="zh-CN" altLang="en-US" sz="1600" dirty="0" smtClean="0">
-                <a:solidFill>
-                  <a:schemeClr val="tx1"/>
-                </a:solidFill>
-              </a:rPr>
-              <a:t>老余</a:t>
-            </a:r>
-            <a:endParaRPr lang="zh-CN" altLang="en-US" sz="1600" dirty="0">
-              <a:solidFill>
-                <a:schemeClr val="tx1"/>
-              </a:solidFill>
-            </a:endParaRPr>
-          </a:p>
-        </p:txBody>
-      </p:sp>
-      <p:sp>
-        <p:nvSpPr>
-          <p:cNvPr id="28" name="Rounded Rectangle 27"/>
-          <p:cNvSpPr/>
-          <p:nvPr/>
-        </p:nvSpPr>
-        <p:spPr>
-          <a:xfrm>
-            <a:off x="5725682" y="1838952"/>
-            <a:ext cx="1187866" cy="495655"/>
-          </a:xfrm>
-          <a:prstGeom prst="roundRect">
-            <a:avLst/>
-          </a:prstGeom>
-        </p:spPr>
-        <p:style>
-          <a:lnRef idx="2">
-            <a:schemeClr val="accent1">
-              <a:shade val="50000"/>
-            </a:schemeClr>
-          </a:lnRef>
-          <a:fillRef idx="1">
-            <a:schemeClr val="accent1"/>
-          </a:fillRef>
-          <a:effectRef idx="0">
-            <a:schemeClr val="accent1"/>
-          </a:effectRef>
-          <a:fontRef idx="minor">
-            <a:schemeClr val="lt1"/>
-          </a:fontRef>
-        </p:style>
-        <p:txBody>
-          <a:bodyPr rtlCol="0" anchor="ctr"/>
-          <a:lstStyle/>
-          <a:p>
-            <a:pPr algn="ctr"/>
-            <a:r>
-              <a:rPr lang="zh-CN" altLang="en-US" sz="1600" dirty="0"/>
-              <a:t>找</a:t>
-            </a:r>
-            <a:r>
-              <a:rPr lang="zh-CN" altLang="en-US" sz="1600" dirty="0" smtClean="0"/>
-              <a:t>到</a:t>
-            </a:r>
-            <a:r>
-              <a:rPr lang="zh-CN" altLang="en-US" sz="1600" dirty="0" smtClean="0">
-                <a:solidFill>
-                  <a:schemeClr val="tx1"/>
-                </a:solidFill>
-              </a:rPr>
-              <a:t>张辉</a:t>
-            </a:r>
-            <a:endParaRPr lang="zh-CN" altLang="en-US" sz="1600" dirty="0">
-              <a:solidFill>
-                <a:schemeClr val="tx1"/>
-              </a:solidFill>
-            </a:endParaRPr>
-          </a:p>
-        </p:txBody>
-      </p:sp>
-      <p:sp>
-        <p:nvSpPr>
-          <p:cNvPr id="29" name="Rounded Rectangle 28"/>
-          <p:cNvSpPr/>
-          <p:nvPr/>
-        </p:nvSpPr>
-        <p:spPr>
-          <a:xfrm>
-            <a:off x="5725682" y="3965250"/>
-            <a:ext cx="1187866" cy="495655"/>
-          </a:xfrm>
-          <a:prstGeom prst="roundRect">
-            <a:avLst/>
-          </a:prstGeom>
-        </p:spPr>
-        <p:style>
-          <a:lnRef idx="2">
-            <a:schemeClr val="accent1">
-              <a:shade val="50000"/>
-            </a:schemeClr>
-          </a:lnRef>
-          <a:fillRef idx="1">
-            <a:schemeClr val="accent1"/>
-          </a:fillRef>
-          <a:effectRef idx="0">
-            <a:schemeClr val="accent1"/>
-          </a:effectRef>
-          <a:fontRef idx="minor">
-            <a:schemeClr val="lt1"/>
-          </a:fontRef>
-        </p:style>
-        <p:txBody>
-          <a:bodyPr rtlCol="0" anchor="ctr"/>
-          <a:lstStyle/>
-          <a:p>
-            <a:pPr algn="ctr"/>
-            <a:r>
-              <a:rPr lang="zh-CN" altLang="en-US" sz="1600" dirty="0"/>
-              <a:t>找</a:t>
-            </a:r>
-            <a:r>
-              <a:rPr lang="zh-CN" altLang="en-US" sz="1600" dirty="0" smtClean="0"/>
-              <a:t>到</a:t>
-            </a:r>
-            <a:r>
-              <a:rPr lang="en-US" altLang="zh-CN" sz="1600" dirty="0" smtClean="0">
-                <a:solidFill>
-                  <a:schemeClr val="tx1"/>
-                </a:solidFill>
-              </a:rPr>
-              <a:t>NPC</a:t>
-            </a:r>
-            <a:r>
-              <a:rPr lang="en-US" altLang="zh-CN" sz="1600" dirty="0">
-                <a:solidFill>
-                  <a:schemeClr val="tx1"/>
-                </a:solidFill>
-              </a:rPr>
-              <a:t>4</a:t>
-            </a:r>
-            <a:endParaRPr lang="en-US" altLang="zh-CN" sz="1600" dirty="0" smtClean="0">
-              <a:solidFill>
-                <a:schemeClr val="tx1"/>
-              </a:solidFill>
-            </a:endParaRPr>
-          </a:p>
-        </p:txBody>
-      </p:sp>
-      <p:sp>
-        <p:nvSpPr>
-          <p:cNvPr id="31" name="Rectangle 30"/>
-          <p:cNvSpPr/>
-          <p:nvPr/>
-        </p:nvSpPr>
-        <p:spPr>
-          <a:xfrm>
-            <a:off x="5682953" y="1354509"/>
-            <a:ext cx="1273324" cy="581114"/>
-          </a:xfrm>
-          <a:prstGeom prst="rect">
-            <a:avLst/>
-          </a:prstGeom>
-        </p:spPr>
-        <p:style>
-          <a:lnRef idx="0">
-            <a:schemeClr val="accent6"/>
-          </a:lnRef>
-          <a:fillRef idx="3">
-            <a:schemeClr val="accent6"/>
-          </a:fillRef>
-          <a:effectRef idx="3">
-            <a:schemeClr val="accent6"/>
-          </a:effectRef>
-          <a:fontRef idx="minor">
-            <a:schemeClr val="lt1"/>
-          </a:fontRef>
-        </p:style>
-        <p:txBody>
-          <a:bodyPr rtlCol="0" anchor="ctr"/>
-          <a:lstStyle/>
-          <a:p>
-            <a:pPr algn="ctr"/>
-            <a:r>
-              <a:rPr lang="zh-CN" altLang="en-US" sz="1400" dirty="0" smtClean="0"/>
-              <a:t>完成任务，获得 胸罩</a:t>
-            </a:r>
-            <a:endParaRPr lang="zh-CN" altLang="en-US" sz="1400" dirty="0"/>
-          </a:p>
-        </p:txBody>
-      </p:sp>
-      <p:sp>
-        <p:nvSpPr>
-          <p:cNvPr id="32" name="Rectangle 31"/>
-          <p:cNvSpPr/>
-          <p:nvPr/>
-        </p:nvSpPr>
-        <p:spPr>
-          <a:xfrm>
-            <a:off x="5682953" y="2431280"/>
-            <a:ext cx="1273324" cy="581114"/>
-          </a:xfrm>
-          <a:prstGeom prst="rect">
-            <a:avLst/>
-          </a:prstGeom>
-        </p:spPr>
-        <p:style>
-          <a:lnRef idx="0">
-            <a:schemeClr val="accent6"/>
-          </a:lnRef>
-          <a:fillRef idx="3">
-            <a:schemeClr val="accent6"/>
-          </a:fillRef>
-          <a:effectRef idx="3">
-            <a:schemeClr val="accent6"/>
-          </a:effectRef>
-          <a:fontRef idx="minor">
-            <a:schemeClr val="lt1"/>
-          </a:fontRef>
-        </p:style>
-        <p:txBody>
-          <a:bodyPr rtlCol="0" anchor="ctr"/>
-          <a:lstStyle/>
-          <a:p>
-            <a:pPr algn="ctr"/>
-            <a:r>
-              <a:rPr lang="zh-CN" altLang="en-US" sz="1400" dirty="0" smtClean="0"/>
-              <a:t>完成任务，获得 超短裙</a:t>
-            </a:r>
-            <a:endParaRPr lang="zh-CN" altLang="en-US" sz="1400" dirty="0"/>
-          </a:p>
-        </p:txBody>
-      </p:sp>
-      <p:sp>
-        <p:nvSpPr>
-          <p:cNvPr id="33" name="Rectangle 32"/>
-          <p:cNvSpPr/>
-          <p:nvPr/>
-        </p:nvSpPr>
-        <p:spPr>
-          <a:xfrm>
-            <a:off x="5682953" y="3512324"/>
-            <a:ext cx="1273324" cy="581114"/>
-          </a:xfrm>
-          <a:prstGeom prst="rect">
-            <a:avLst/>
-          </a:prstGeom>
-        </p:spPr>
-        <p:style>
-          <a:lnRef idx="0">
-            <a:schemeClr val="accent6"/>
-          </a:lnRef>
-          <a:fillRef idx="3">
-            <a:schemeClr val="accent6"/>
-          </a:fillRef>
-          <a:effectRef idx="3">
-            <a:schemeClr val="accent6"/>
-          </a:effectRef>
-          <a:fontRef idx="minor">
-            <a:schemeClr val="lt1"/>
-          </a:fontRef>
-        </p:style>
-        <p:txBody>
-          <a:bodyPr rtlCol="0" anchor="ctr"/>
-          <a:lstStyle/>
-          <a:p>
-            <a:pPr algn="ctr"/>
-            <a:r>
-              <a:rPr lang="zh-CN" altLang="en-US" sz="1400" dirty="0"/>
-              <a:t>商店</a:t>
-            </a:r>
-            <a:r>
-              <a:rPr lang="zh-CN" altLang="en-US" sz="1400" dirty="0" smtClean="0"/>
-              <a:t>，购买假发</a:t>
-            </a:r>
-            <a:endParaRPr lang="zh-CN" altLang="en-US" sz="1400" dirty="0"/>
-          </a:p>
-        </p:txBody>
-      </p:sp>
-      <p:sp>
-        <p:nvSpPr>
-          <p:cNvPr id="34" name="Right Brace 33"/>
-          <p:cNvSpPr/>
-          <p:nvPr/>
-        </p:nvSpPr>
-        <p:spPr>
-          <a:xfrm>
-            <a:off x="7195558" y="1427148"/>
-            <a:ext cx="247828" cy="3033757"/>
-          </a:xfrm>
-          <a:prstGeom prst="rightBrace">
-            <a:avLst/>
-          </a:prstGeom>
-        </p:spPr>
-        <p:style>
-          <a:lnRef idx="1">
-            <a:schemeClr val="accent1"/>
-          </a:lnRef>
-          <a:fillRef idx="0">
-            <a:schemeClr val="accent1"/>
-          </a:fillRef>
-          <a:effectRef idx="0">
-            <a:schemeClr val="accent1"/>
-          </a:effectRef>
-          <a:fontRef idx="minor">
-            <a:schemeClr val="tx1"/>
-          </a:fontRef>
-        </p:style>
-        <p:txBody>
-          <a:bodyPr rtlCol="0" anchor="ctr"/>
-          <a:lstStyle/>
-          <a:p>
-            <a:pPr algn="ctr"/>
-            <a:endParaRPr lang="zh-CN" altLang="en-US"/>
-          </a:p>
-        </p:txBody>
-      </p:sp>
-      <p:sp>
-        <p:nvSpPr>
-          <p:cNvPr id="36" name="Rounded Rectangle 35"/>
-          <p:cNvSpPr/>
-          <p:nvPr/>
-        </p:nvSpPr>
-        <p:spPr>
-          <a:xfrm>
-            <a:off x="7490388" y="2713291"/>
-            <a:ext cx="1187866" cy="495655"/>
-          </a:xfrm>
-          <a:prstGeom prst="roundRect">
-            <a:avLst/>
-          </a:prstGeom>
-        </p:spPr>
-        <p:style>
-          <a:lnRef idx="2">
-            <a:schemeClr val="accent1">
-              <a:shade val="50000"/>
-            </a:schemeClr>
-          </a:lnRef>
-          <a:fillRef idx="1">
-            <a:schemeClr val="accent1"/>
-          </a:fillRef>
-          <a:effectRef idx="0">
-            <a:schemeClr val="accent1"/>
-          </a:effectRef>
-          <a:fontRef idx="minor">
-            <a:schemeClr val="lt1"/>
-          </a:fontRef>
-        </p:style>
-        <p:txBody>
-          <a:bodyPr rtlCol="0" anchor="ctr"/>
-          <a:lstStyle/>
-          <a:p>
-            <a:pPr algn="ctr"/>
-            <a:r>
-              <a:rPr lang="zh-CN" altLang="en-US" sz="1600" dirty="0"/>
-              <a:t>找</a:t>
-            </a:r>
-            <a:r>
-              <a:rPr lang="zh-CN" altLang="en-US" sz="1600" dirty="0" smtClean="0"/>
-              <a:t>到</a:t>
-            </a:r>
-            <a:r>
-              <a:rPr lang="zh-CN" altLang="en-US" sz="1600" dirty="0" smtClean="0">
-                <a:solidFill>
-                  <a:schemeClr val="tx1"/>
-                </a:solidFill>
-              </a:rPr>
-              <a:t>薇儿</a:t>
-            </a:r>
-            <a:endParaRPr lang="zh-CN" altLang="en-US" sz="1600" dirty="0">
-              <a:solidFill>
-                <a:schemeClr val="tx1"/>
-              </a:solidFill>
-            </a:endParaRPr>
-          </a:p>
-        </p:txBody>
-      </p:sp>
-      <p:sp>
-        <p:nvSpPr>
-          <p:cNvPr id="37" name="Rectangle 36"/>
-          <p:cNvSpPr/>
-          <p:nvPr/>
-        </p:nvSpPr>
-        <p:spPr>
-          <a:xfrm>
-            <a:off x="7490388" y="1935623"/>
-            <a:ext cx="1273324" cy="878613"/>
-          </a:xfrm>
-          <a:prstGeom prst="rect">
-            <a:avLst/>
-          </a:prstGeom>
-        </p:spPr>
-        <p:style>
-          <a:lnRef idx="0">
-            <a:schemeClr val="accent6"/>
-          </a:lnRef>
-          <a:fillRef idx="3">
-            <a:schemeClr val="accent6"/>
-          </a:fillRef>
-          <a:effectRef idx="3">
-            <a:schemeClr val="accent6"/>
-          </a:effectRef>
-          <a:fontRef idx="minor">
-            <a:schemeClr val="lt1"/>
-          </a:fontRef>
-        </p:style>
-        <p:txBody>
-          <a:bodyPr rtlCol="0" anchor="ctr"/>
-          <a:lstStyle/>
-          <a:p>
-            <a:pPr algn="ctr"/>
-            <a:r>
-              <a:rPr lang="zh-CN" altLang="en-US" sz="1400" dirty="0" smtClean="0"/>
-              <a:t>电脑只有</a:t>
-            </a:r>
-            <a:r>
-              <a:rPr lang="zh-CN" altLang="en-US" sz="1400" dirty="0"/>
-              <a:t>一</a:t>
-            </a:r>
-            <a:r>
-              <a:rPr lang="zh-CN" altLang="en-US" sz="1400" dirty="0" smtClean="0"/>
-              <a:t>台，薇儿不肯离开，得知刚才张辉气冲冲来过</a:t>
-            </a:r>
-            <a:endParaRPr lang="zh-CN" altLang="en-US" sz="1400" dirty="0"/>
-          </a:p>
-        </p:txBody>
-      </p:sp>
-      <p:cxnSp>
-        <p:nvCxnSpPr>
-          <p:cNvPr id="38" name="Straight Arrow Connector 37"/>
-          <p:cNvCxnSpPr/>
-          <p:nvPr/>
-        </p:nvCxnSpPr>
-        <p:spPr>
-          <a:xfrm>
-            <a:off x="8678254" y="2973938"/>
-            <a:ext cx="410198" cy="0"/>
-          </a:xfrm>
-          <a:prstGeom prst="straightConnector1">
-            <a:avLst/>
-          </a:prstGeom>
-          <a:ln>
-            <a:tailEnd type="triangle"/>
-          </a:ln>
-        </p:spPr>
-        <p:style>
-          <a:lnRef idx="1">
-            <a:schemeClr val="accent1"/>
-          </a:lnRef>
-          <a:fillRef idx="0">
-            <a:schemeClr val="accent1"/>
-          </a:fillRef>
-          <a:effectRef idx="0">
-            <a:schemeClr val="accent1"/>
-          </a:effectRef>
-          <a:fontRef idx="minor">
-            <a:schemeClr val="tx1"/>
-          </a:fontRef>
-        </p:style>
-      </p:cxnSp>
-      <p:sp>
-        <p:nvSpPr>
-          <p:cNvPr id="39" name="Rounded Rectangle 38"/>
-          <p:cNvSpPr/>
-          <p:nvPr/>
-        </p:nvSpPr>
-        <p:spPr>
-          <a:xfrm>
-            <a:off x="9088452" y="2713291"/>
-            <a:ext cx="1187866" cy="495655"/>
-          </a:xfrm>
-          <a:prstGeom prst="roundRect">
-            <a:avLst/>
-          </a:prstGeom>
-        </p:spPr>
-        <p:style>
-          <a:lnRef idx="2">
-            <a:schemeClr val="accent1">
-              <a:shade val="50000"/>
-            </a:schemeClr>
-          </a:lnRef>
-          <a:fillRef idx="1">
-            <a:schemeClr val="accent1"/>
-          </a:fillRef>
-          <a:effectRef idx="0">
-            <a:schemeClr val="accent1"/>
-          </a:effectRef>
-          <a:fontRef idx="minor">
-            <a:schemeClr val="lt1"/>
-          </a:fontRef>
-        </p:style>
-        <p:txBody>
-          <a:bodyPr rtlCol="0" anchor="ctr"/>
-          <a:lstStyle/>
-          <a:p>
-            <a:pPr algn="ctr"/>
-            <a:r>
-              <a:rPr lang="zh-CN" altLang="en-US" sz="1600" dirty="0"/>
-              <a:t>找</a:t>
-            </a:r>
-            <a:r>
-              <a:rPr lang="zh-CN" altLang="en-US" sz="1600" dirty="0" smtClean="0"/>
-              <a:t>到</a:t>
-            </a:r>
-            <a:r>
-              <a:rPr lang="zh-CN" altLang="en-US" sz="1600" dirty="0" smtClean="0">
-                <a:solidFill>
-                  <a:schemeClr val="tx1"/>
-                </a:solidFill>
-              </a:rPr>
-              <a:t>张辉</a:t>
-            </a:r>
-            <a:endParaRPr lang="zh-CN" altLang="en-US" sz="1600" dirty="0">
-              <a:solidFill>
-                <a:schemeClr val="tx1"/>
-              </a:solidFill>
-            </a:endParaRPr>
-          </a:p>
-        </p:txBody>
-      </p:sp>
-      <p:sp>
-        <p:nvSpPr>
-          <p:cNvPr id="40" name="Rectangle 39"/>
-          <p:cNvSpPr/>
-          <p:nvPr/>
-        </p:nvSpPr>
-        <p:spPr>
-          <a:xfrm>
-            <a:off x="9088452" y="1935623"/>
-            <a:ext cx="1273324" cy="878613"/>
-          </a:xfrm>
-          <a:prstGeom prst="rect">
-            <a:avLst/>
-          </a:prstGeom>
-        </p:spPr>
-        <p:style>
-          <a:lnRef idx="0">
-            <a:schemeClr val="accent6"/>
-          </a:lnRef>
-          <a:fillRef idx="3">
-            <a:schemeClr val="accent6"/>
-          </a:fillRef>
-          <a:effectRef idx="3">
-            <a:schemeClr val="accent6"/>
-          </a:effectRef>
-          <a:fontRef idx="minor">
-            <a:schemeClr val="lt1"/>
-          </a:fontRef>
-        </p:style>
-        <p:txBody>
-          <a:bodyPr rtlCol="0" anchor="ctr"/>
-          <a:lstStyle/>
-          <a:p>
-            <a:pPr algn="ctr"/>
-            <a:r>
-              <a:rPr lang="zh-CN" altLang="en-US" sz="1400" dirty="0" smtClean="0"/>
-              <a:t>替张辉打薇儿，完成任务张辉告诉你</a:t>
-            </a:r>
-            <a:r>
-              <a:rPr lang="zh-CN" altLang="en-US" sz="1400" dirty="0" smtClean="0">
-                <a:solidFill>
-                  <a:schemeClr val="tx1">
-                    <a:lumMod val="75000"/>
-                    <a:lumOff val="25000"/>
-                  </a:schemeClr>
-                </a:solidFill>
-              </a:rPr>
-              <a:t>一个秘密</a:t>
-            </a:r>
-            <a:endParaRPr lang="zh-CN" altLang="en-US" sz="1400" dirty="0">
-              <a:solidFill>
-                <a:schemeClr val="tx1">
-                  <a:lumMod val="75000"/>
-                  <a:lumOff val="25000"/>
-                </a:schemeClr>
-              </a:solidFill>
-            </a:endParaRPr>
-          </a:p>
-        </p:txBody>
-      </p:sp>
-      <p:cxnSp>
-        <p:nvCxnSpPr>
-          <p:cNvPr id="41" name="Straight Arrow Connector 40"/>
-          <p:cNvCxnSpPr/>
-          <p:nvPr/>
-        </p:nvCxnSpPr>
-        <p:spPr>
-          <a:xfrm>
-            <a:off x="10276318" y="2973938"/>
-            <a:ext cx="410198" cy="0"/>
-          </a:xfrm>
-          <a:prstGeom prst="straightConnector1">
-            <a:avLst/>
-          </a:prstGeom>
-          <a:ln>
-            <a:tailEnd type="triangle"/>
-          </a:ln>
-        </p:spPr>
-        <p:style>
-          <a:lnRef idx="1">
-            <a:schemeClr val="accent1"/>
-          </a:lnRef>
-          <a:fillRef idx="0">
-            <a:schemeClr val="accent1"/>
-          </a:fillRef>
-          <a:effectRef idx="0">
-            <a:schemeClr val="accent1"/>
-          </a:effectRef>
-          <a:fontRef idx="minor">
-            <a:schemeClr val="tx1"/>
-          </a:fontRef>
-        </p:style>
-      </p:cxnSp>
-      <p:sp>
-        <p:nvSpPr>
-          <p:cNvPr id="42" name="Rounded Rectangle 41"/>
-          <p:cNvSpPr/>
-          <p:nvPr/>
-        </p:nvSpPr>
-        <p:spPr>
-          <a:xfrm>
-            <a:off x="10695061" y="2713291"/>
-            <a:ext cx="1187866" cy="495655"/>
-          </a:xfrm>
-          <a:prstGeom prst="roundRect">
-            <a:avLst/>
-          </a:prstGeom>
-        </p:spPr>
-        <p:style>
-          <a:lnRef idx="2">
-            <a:schemeClr val="accent1">
-              <a:shade val="50000"/>
-            </a:schemeClr>
-          </a:lnRef>
-          <a:fillRef idx="1">
-            <a:schemeClr val="accent1"/>
-          </a:fillRef>
-          <a:effectRef idx="0">
-            <a:schemeClr val="accent1"/>
-          </a:effectRef>
-          <a:fontRef idx="minor">
-            <a:schemeClr val="lt1"/>
-          </a:fontRef>
-        </p:style>
-        <p:txBody>
-          <a:bodyPr rtlCol="0" anchor="ctr"/>
-          <a:lstStyle/>
-          <a:p>
-            <a:pPr algn="ctr"/>
-            <a:r>
-              <a:rPr lang="zh-CN" altLang="en-US" sz="1600" dirty="0"/>
-              <a:t>找</a:t>
-            </a:r>
-            <a:r>
-              <a:rPr lang="zh-CN" altLang="en-US" sz="1600" dirty="0" smtClean="0"/>
-              <a:t>到</a:t>
-            </a:r>
-            <a:r>
-              <a:rPr lang="zh-CN" altLang="en-US" sz="1600" dirty="0" smtClean="0">
-                <a:solidFill>
-                  <a:schemeClr val="tx1"/>
-                </a:solidFill>
-              </a:rPr>
-              <a:t>薇儿</a:t>
-            </a:r>
-            <a:endParaRPr lang="zh-CN" altLang="en-US" sz="1600" dirty="0">
-              <a:solidFill>
-                <a:schemeClr val="tx1"/>
-              </a:solidFill>
-            </a:endParaRPr>
-          </a:p>
-        </p:txBody>
-      </p:sp>
-      <p:sp>
-        <p:nvSpPr>
-          <p:cNvPr id="43" name="Rectangle 42"/>
-          <p:cNvSpPr/>
-          <p:nvPr/>
-        </p:nvSpPr>
-        <p:spPr>
-          <a:xfrm>
-            <a:off x="10695061" y="2162086"/>
-            <a:ext cx="1273324" cy="652150"/>
-          </a:xfrm>
-          <a:prstGeom prst="rect">
-            <a:avLst/>
-          </a:prstGeom>
-        </p:spPr>
-        <p:style>
-          <a:lnRef idx="0">
-            <a:schemeClr val="accent6"/>
-          </a:lnRef>
-          <a:fillRef idx="3">
-            <a:schemeClr val="accent6"/>
-          </a:fillRef>
-          <a:effectRef idx="3">
-            <a:schemeClr val="accent6"/>
-          </a:effectRef>
-          <a:fontRef idx="minor">
-            <a:schemeClr val="lt1"/>
-          </a:fontRef>
-        </p:style>
-        <p:txBody>
-          <a:bodyPr rtlCol="0" anchor="ctr"/>
-          <a:lstStyle/>
-          <a:p>
-            <a:pPr algn="ctr"/>
-            <a:r>
-              <a:rPr lang="zh-CN" altLang="en-US" sz="1400" dirty="0" smtClean="0"/>
-              <a:t>打晕薇儿，假扮主播，骗</a:t>
-            </a:r>
-            <a:r>
-              <a:rPr lang="en-US" altLang="zh-CN" sz="1400" dirty="0" smtClean="0"/>
-              <a:t>b</a:t>
-            </a:r>
-            <a:r>
-              <a:rPr lang="zh-CN" altLang="en-US" sz="1400" dirty="0" smtClean="0"/>
-              <a:t>哥钱</a:t>
-            </a:r>
-            <a:endParaRPr lang="zh-CN" altLang="en-US" sz="1400" dirty="0"/>
-          </a:p>
-        </p:txBody>
-      </p:sp>
-      <p:cxnSp>
-        <p:nvCxnSpPr>
-          <p:cNvPr id="45" name="Straight Arrow Connector 44"/>
-          <p:cNvCxnSpPr>
-            <a:stCxn id="42" idx="2"/>
-          </p:cNvCxnSpPr>
-          <p:nvPr/>
-        </p:nvCxnSpPr>
-        <p:spPr>
-          <a:xfrm flipH="1">
-            <a:off x="9511469" y="3208946"/>
-            <a:ext cx="1777525" cy="1337417"/>
-          </a:xfrm>
-          <a:prstGeom prst="straightConnector1">
-            <a:avLst/>
-          </a:prstGeom>
-          <a:ln>
-            <a:tailEnd type="triangle"/>
-          </a:ln>
-        </p:spPr>
-        <p:style>
-          <a:lnRef idx="1">
-            <a:schemeClr val="accent1"/>
-          </a:lnRef>
-          <a:fillRef idx="0">
-            <a:schemeClr val="accent1"/>
-          </a:fillRef>
-          <a:effectRef idx="0">
-            <a:schemeClr val="accent1"/>
-          </a:effectRef>
-          <a:fontRef idx="minor">
-            <a:schemeClr val="tx1"/>
-          </a:fontRef>
-        </p:style>
-      </p:cxnSp>
-      <p:cxnSp>
-        <p:nvCxnSpPr>
-          <p:cNvPr id="47" name="Straight Arrow Connector 46"/>
-          <p:cNvCxnSpPr>
-            <a:stCxn id="42" idx="2"/>
-          </p:cNvCxnSpPr>
-          <p:nvPr/>
-        </p:nvCxnSpPr>
-        <p:spPr>
-          <a:xfrm>
-            <a:off x="11288994" y="3208946"/>
-            <a:ext cx="0" cy="1337417"/>
-          </a:xfrm>
-          <a:prstGeom prst="straightConnector1">
-            <a:avLst/>
-          </a:prstGeom>
-          <a:ln>
-            <a:tailEnd type="triangle"/>
-          </a:ln>
-        </p:spPr>
-        <p:style>
-          <a:lnRef idx="1">
-            <a:schemeClr val="accent1"/>
-          </a:lnRef>
-          <a:fillRef idx="0">
-            <a:schemeClr val="accent1"/>
-          </a:fillRef>
-          <a:effectRef idx="0">
-            <a:schemeClr val="accent1"/>
-          </a:effectRef>
-          <a:fontRef idx="minor">
-            <a:schemeClr val="tx1"/>
-          </a:fontRef>
-        </p:style>
-      </p:cxnSp>
-      <p:sp>
-        <p:nvSpPr>
-          <p:cNvPr id="48" name="Rounded Rectangle 47"/>
-          <p:cNvSpPr/>
-          <p:nvPr/>
-        </p:nvSpPr>
-        <p:spPr>
-          <a:xfrm>
-            <a:off x="10695061" y="4519756"/>
-            <a:ext cx="1187866" cy="495655"/>
-          </a:xfrm>
-          <a:prstGeom prst="roundRect">
-            <a:avLst/>
-          </a:prstGeom>
-        </p:spPr>
-        <p:style>
-          <a:lnRef idx="2">
-            <a:schemeClr val="accent1">
-              <a:shade val="50000"/>
-            </a:schemeClr>
-          </a:lnRef>
-          <a:fillRef idx="1">
-            <a:schemeClr val="accent1"/>
-          </a:fillRef>
-          <a:effectRef idx="0">
-            <a:schemeClr val="accent1"/>
-          </a:effectRef>
-          <a:fontRef idx="minor">
-            <a:schemeClr val="lt1"/>
-          </a:fontRef>
-        </p:style>
-        <p:txBody>
-          <a:bodyPr rtlCol="0" anchor="ctr"/>
-          <a:lstStyle/>
-          <a:p>
-            <a:pPr algn="ctr"/>
-            <a:r>
-              <a:rPr lang="zh-CN" altLang="en-US" sz="1600" dirty="0" smtClean="0">
-                <a:solidFill>
-                  <a:schemeClr val="tx1"/>
-                </a:solidFill>
-              </a:rPr>
-              <a:t>结束</a:t>
-            </a:r>
-            <a:endParaRPr lang="zh-CN" altLang="en-US" sz="1600" dirty="0">
-              <a:solidFill>
-                <a:schemeClr val="tx1"/>
-              </a:solidFill>
-            </a:endParaRPr>
-          </a:p>
-        </p:txBody>
-      </p:sp>
-      <p:sp>
-        <p:nvSpPr>
-          <p:cNvPr id="49" name="Rounded Rectangle 48"/>
-          <p:cNvSpPr/>
-          <p:nvPr/>
-        </p:nvSpPr>
-        <p:spPr>
-          <a:xfrm>
-            <a:off x="8814209" y="4519756"/>
-            <a:ext cx="1187866" cy="495655"/>
-          </a:xfrm>
-          <a:prstGeom prst="roundRect">
-            <a:avLst/>
-          </a:prstGeom>
-        </p:spPr>
-        <p:style>
-          <a:lnRef idx="2">
-            <a:schemeClr val="accent1">
-              <a:shade val="50000"/>
-            </a:schemeClr>
-          </a:lnRef>
-          <a:fillRef idx="1">
-            <a:schemeClr val="accent1"/>
-          </a:fillRef>
-          <a:effectRef idx="0">
-            <a:schemeClr val="accent1"/>
-          </a:effectRef>
-          <a:fontRef idx="minor">
-            <a:schemeClr val="lt1"/>
-          </a:fontRef>
-        </p:style>
-        <p:txBody>
-          <a:bodyPr rtlCol="0" anchor="ctr"/>
-          <a:lstStyle/>
-          <a:p>
-            <a:pPr algn="ctr"/>
-            <a:r>
-              <a:rPr lang="zh-CN" altLang="en-US" sz="1600" dirty="0"/>
-              <a:t>找</a:t>
-            </a:r>
-            <a:r>
-              <a:rPr lang="zh-CN" altLang="en-US" sz="1600" dirty="0" smtClean="0"/>
-              <a:t>到</a:t>
-            </a:r>
-            <a:r>
-              <a:rPr lang="zh-CN" altLang="en-US" sz="1600" dirty="0" smtClean="0">
-                <a:solidFill>
-                  <a:schemeClr val="tx1"/>
-                </a:solidFill>
-              </a:rPr>
-              <a:t>张辉</a:t>
-            </a:r>
-            <a:endParaRPr lang="zh-CN" altLang="en-US" sz="1600" dirty="0">
-              <a:solidFill>
-                <a:schemeClr val="tx1"/>
-              </a:solidFill>
-            </a:endParaRPr>
-          </a:p>
-        </p:txBody>
-      </p:sp>
-      <p:sp>
-        <p:nvSpPr>
-          <p:cNvPr id="50" name="Rectangle 49"/>
-          <p:cNvSpPr/>
-          <p:nvPr/>
-        </p:nvSpPr>
-        <p:spPr>
-          <a:xfrm>
-            <a:off x="8763712" y="4941073"/>
-            <a:ext cx="1273324" cy="588056"/>
-          </a:xfrm>
-          <a:prstGeom prst="rect">
-            <a:avLst/>
-          </a:prstGeom>
-        </p:spPr>
-        <p:style>
-          <a:lnRef idx="0">
-            <a:schemeClr val="accent6"/>
-          </a:lnRef>
-          <a:fillRef idx="3">
-            <a:schemeClr val="accent6"/>
-          </a:fillRef>
-          <a:effectRef idx="3">
-            <a:schemeClr val="accent6"/>
-          </a:effectRef>
-          <a:fontRef idx="minor">
-            <a:schemeClr val="lt1"/>
-          </a:fontRef>
-        </p:style>
-        <p:txBody>
-          <a:bodyPr rtlCol="0" anchor="ctr"/>
-          <a:lstStyle/>
-          <a:p>
-            <a:pPr algn="ctr"/>
-            <a:r>
-              <a:rPr lang="zh-CN" altLang="en-US" sz="1400" dirty="0" smtClean="0"/>
-              <a:t>得到关于暗线的线索</a:t>
-            </a:r>
-            <a:endParaRPr lang="zh-CN" altLang="en-US" sz="1400" dirty="0"/>
-          </a:p>
-        </p:txBody>
-      </p:sp>
-      <p:cxnSp>
-        <p:nvCxnSpPr>
-          <p:cNvPr id="52" name="Straight Arrow Connector 51"/>
-          <p:cNvCxnSpPr>
-            <a:stCxn id="50" idx="2"/>
-          </p:cNvCxnSpPr>
-          <p:nvPr/>
-        </p:nvCxnSpPr>
-        <p:spPr>
-          <a:xfrm>
-            <a:off x="9400374" y="5529129"/>
-            <a:ext cx="0" cy="461473"/>
-          </a:xfrm>
-          <a:prstGeom prst="straightConnector1">
-            <a:avLst/>
-          </a:prstGeom>
-          <a:ln>
-            <a:tailEnd type="triangle"/>
-          </a:ln>
-        </p:spPr>
-        <p:style>
-          <a:lnRef idx="1">
-            <a:schemeClr val="accent1"/>
-          </a:lnRef>
-          <a:fillRef idx="0">
-            <a:schemeClr val="accent1"/>
-          </a:fillRef>
-          <a:effectRef idx="0">
-            <a:schemeClr val="accent1"/>
-          </a:effectRef>
-          <a:fontRef idx="minor">
-            <a:schemeClr val="tx1"/>
-          </a:fontRef>
-        </p:style>
-      </p:cxnSp>
-      <p:sp>
-        <p:nvSpPr>
-          <p:cNvPr id="53" name="Rounded Rectangle 52"/>
-          <p:cNvSpPr/>
-          <p:nvPr/>
-        </p:nvSpPr>
-        <p:spPr>
-          <a:xfrm>
-            <a:off x="8849170" y="5978655"/>
-            <a:ext cx="1187866" cy="495655"/>
-          </a:xfrm>
-          <a:prstGeom prst="roundRect">
-            <a:avLst/>
-          </a:prstGeom>
-        </p:spPr>
-        <p:style>
-          <a:lnRef idx="2">
-            <a:schemeClr val="accent1">
-              <a:shade val="50000"/>
-            </a:schemeClr>
-          </a:lnRef>
-          <a:fillRef idx="1">
-            <a:schemeClr val="accent1"/>
-          </a:fillRef>
-          <a:effectRef idx="0">
-            <a:schemeClr val="accent1"/>
-          </a:effectRef>
-          <a:fontRef idx="minor">
-            <a:schemeClr val="lt1"/>
-          </a:fontRef>
-        </p:style>
-        <p:txBody>
-          <a:bodyPr rtlCol="0" anchor="ctr"/>
-          <a:lstStyle/>
-          <a:p>
-            <a:pPr algn="ctr"/>
-            <a:r>
-              <a:rPr lang="zh-CN" altLang="en-US" sz="1600" dirty="0" smtClean="0">
-                <a:solidFill>
-                  <a:schemeClr val="tx1"/>
-                </a:solidFill>
-              </a:rPr>
-              <a:t>结束</a:t>
-            </a:r>
-            <a:endParaRPr lang="zh-CN" altLang="en-US" sz="1600" dirty="0">
-              <a:solidFill>
-                <a:schemeClr val="tx1"/>
-              </a:solidFill>
-            </a:endParaRPr>
-          </a:p>
-        </p:txBody>
-      </p:sp>
-    </p:spTree>
-    <p:extLst>
-      <p:ext uri="{BB962C8B-B14F-4D97-AF65-F5344CB8AC3E}">
-        <p14:creationId xmlns:p14="http://schemas.microsoft.com/office/powerpoint/2010/main" val="1478344837"/>
       </p:ext>
     </p:extLst>
   </p:cSld>
